--- a/Symbol type.pptx
+++ b/Symbol type.pptx
@@ -8,6 +8,15 @@
     <p:sldId id="256" r:id="rId2"/>
     <p:sldId id="257" r:id="rId3"/>
     <p:sldId id="258" r:id="rId4"/>
+    <p:sldId id="259" r:id="rId5"/>
+    <p:sldId id="260" r:id="rId6"/>
+    <p:sldId id="261" r:id="rId7"/>
+    <p:sldId id="262" r:id="rId8"/>
+    <p:sldId id="263" r:id="rId9"/>
+    <p:sldId id="264" r:id="rId10"/>
+    <p:sldId id="265" r:id="rId11"/>
+    <p:sldId id="266" r:id="rId12"/>
+    <p:sldId id="267" r:id="rId13"/>
   </p:sldIdLst>
   <p:sldSz cx="12192000" cy="6858000"/>
   <p:notesSz cx="6858000" cy="9144000"/>
@@ -399,7 +408,7 @@
           <a:p>
             <a:fld id="{A66BC902-23BB-4858-9DD5-E04F8B608DC6}" type="datetimeFigureOut">
               <a:rPr lang="ru-RU" smtClean="0"/>
-              <a:t>27.07.2021</a:t>
+              <a:t>28.07.2021</a:t>
             </a:fld>
             <a:endParaRPr lang="ru-RU"/>
           </a:p>
@@ -564,7 +573,7 @@
           <a:p>
             <a:fld id="{A66BC902-23BB-4858-9DD5-E04F8B608DC6}" type="datetimeFigureOut">
               <a:rPr lang="ru-RU" smtClean="0"/>
-              <a:t>27.07.2021</a:t>
+              <a:t>28.07.2021</a:t>
             </a:fld>
             <a:endParaRPr lang="ru-RU"/>
           </a:p>
@@ -739,7 +748,7 @@
           <a:p>
             <a:fld id="{A66BC902-23BB-4858-9DD5-E04F8B608DC6}" type="datetimeFigureOut">
               <a:rPr lang="ru-RU" smtClean="0"/>
-              <a:t>27.07.2021</a:t>
+              <a:t>28.07.2021</a:t>
             </a:fld>
             <a:endParaRPr lang="ru-RU"/>
           </a:p>
@@ -886,7 +895,7 @@
           <a:p>
             <a:fld id="{A66BC902-23BB-4858-9DD5-E04F8B608DC6}" type="datetimeFigureOut">
               <a:rPr lang="ru-RU" smtClean="0"/>
-              <a:t>27.07.2021</a:t>
+              <a:t>28.07.2021</a:t>
             </a:fld>
             <a:endParaRPr lang="ru-RU"/>
           </a:p>
@@ -1003,7 +1012,7 @@
           <a:p>
             <a:fld id="{A66BC902-23BB-4858-9DD5-E04F8B608DC6}" type="datetimeFigureOut">
               <a:rPr lang="ru-RU" smtClean="0"/>
-              <a:t>27.07.2021</a:t>
+              <a:t>28.07.2021</a:t>
             </a:fld>
             <a:endParaRPr lang="ru-RU"/>
           </a:p>
@@ -1273,7 +1282,7 @@
           <a:p>
             <a:fld id="{A66BC902-23BB-4858-9DD5-E04F8B608DC6}" type="datetimeFigureOut">
               <a:rPr lang="ru-RU" smtClean="0"/>
-              <a:t>27.07.2021</a:t>
+              <a:t>28.07.2021</a:t>
             </a:fld>
             <a:endParaRPr lang="ru-RU"/>
           </a:p>
@@ -1542,7 +1551,7 @@
           <a:p>
             <a:fld id="{A66BC902-23BB-4858-9DD5-E04F8B608DC6}" type="datetimeFigureOut">
               <a:rPr lang="ru-RU" smtClean="0"/>
-              <a:t>27.07.2021</a:t>
+              <a:t>28.07.2021</a:t>
             </a:fld>
             <a:endParaRPr lang="ru-RU"/>
           </a:p>
@@ -1989,7 +1998,7 @@
           <a:p>
             <a:fld id="{A66BC902-23BB-4858-9DD5-E04F8B608DC6}" type="datetimeFigureOut">
               <a:rPr lang="ru-RU" smtClean="0"/>
-              <a:t>27.07.2021</a:t>
+              <a:t>28.07.2021</a:t>
             </a:fld>
             <a:endParaRPr lang="ru-RU"/>
           </a:p>
@@ -2102,7 +2111,7 @@
           <a:p>
             <a:fld id="{A66BC902-23BB-4858-9DD5-E04F8B608DC6}" type="datetimeFigureOut">
               <a:rPr lang="ru-RU" smtClean="0"/>
-              <a:t>27.07.2021</a:t>
+              <a:t>28.07.2021</a:t>
             </a:fld>
             <a:endParaRPr lang="ru-RU"/>
           </a:p>
@@ -2352,7 +2361,7 @@
           <a:p>
             <a:fld id="{A66BC902-23BB-4858-9DD5-E04F8B608DC6}" type="datetimeFigureOut">
               <a:rPr lang="ru-RU" smtClean="0"/>
-              <a:t>27.07.2021</a:t>
+              <a:t>28.07.2021</a:t>
             </a:fld>
             <a:endParaRPr lang="ru-RU"/>
           </a:p>
@@ -2592,7 +2601,7 @@
           <a:p>
             <a:fld id="{A66BC902-23BB-4858-9DD5-E04F8B608DC6}" type="datetimeFigureOut">
               <a:rPr lang="ru-RU" smtClean="0"/>
-              <a:t>27.07.2021</a:t>
+              <a:t>28.07.2021</a:t>
             </a:fld>
             <a:endParaRPr lang="ru-RU"/>
           </a:p>
@@ -2765,7 +2774,7 @@
           <a:p>
             <a:fld id="{A66BC902-23BB-4858-9DD5-E04F8B608DC6}" type="datetimeFigureOut">
               <a:rPr lang="ru-RU" smtClean="0"/>
-              <a:t>27.07.2021</a:t>
+              <a:t>28.07.2021</a:t>
             </a:fld>
             <a:endParaRPr lang="ru-RU"/>
           </a:p>
@@ -3299,6 +3308,718 @@
 </p:sld>
 </file>
 
+<file path=ppt/slides/slide10.xml><?xml version="1.0" encoding="utf-8"?>
+<p:sld xmlns:a="http://schemas.openxmlformats.org/drawingml/2006/main" xmlns:r="http://schemas.openxmlformats.org/officeDocument/2006/relationships" xmlns:p="http://schemas.openxmlformats.org/presentationml/2006/main">
+  <p:cSld>
+    <p:spTree>
+      <p:nvGrpSpPr>
+        <p:cNvPr id="1" name=""/>
+        <p:cNvGrpSpPr/>
+        <p:nvPr/>
+      </p:nvGrpSpPr>
+      <p:grpSpPr>
+        <a:xfrm>
+          <a:off x="0" y="0"/>
+          <a:ext cx="0" cy="0"/>
+          <a:chOff x="0" y="0"/>
+          <a:chExt cx="0" cy="0"/>
+        </a:xfrm>
+      </p:grpSpPr>
+      <p:sp>
+        <p:nvSpPr>
+          <p:cNvPr id="2" name="Заголовок 1"/>
+          <p:cNvSpPr>
+            <a:spLocks noGrp="1"/>
+          </p:cNvSpPr>
+          <p:nvPr>
+            <p:ph type="title"/>
+          </p:nvPr>
+        </p:nvSpPr>
+        <p:spPr>
+          <a:xfrm>
+            <a:off x="811369" y="208208"/>
+            <a:ext cx="10566400" cy="628919"/>
+          </a:xfrm>
+        </p:spPr>
+        <p:txBody>
+          <a:bodyPr/>
+          <a:lstStyle/>
+          <a:p>
+            <a:r>
+              <a:rPr lang="en-US" sz="3200" dirty="0" smtClean="0"/>
+              <a:t>8. </a:t>
+            </a:r>
+            <a:r>
+              <a:rPr lang="ru-RU" sz="3200" dirty="0">
+                <a:effectLst/>
+              </a:rPr>
+              <a:t>Зачем нужен </a:t>
+            </a:r>
+            <a:r>
+              <a:rPr lang="en-US" sz="3200" dirty="0">
+                <a:effectLst/>
+              </a:rPr>
+              <a:t>Symbol </a:t>
+            </a:r>
+            <a:r>
+              <a:rPr lang="en-US" sz="3200" dirty="0" smtClean="0">
+                <a:effectLst/>
+              </a:rPr>
+              <a:t>?</a:t>
+            </a:r>
+            <a:endParaRPr lang="ru-RU" sz="3200" dirty="0"/>
+          </a:p>
+        </p:txBody>
+      </p:sp>
+      <p:sp>
+        <p:nvSpPr>
+          <p:cNvPr id="3" name="Текст 2"/>
+          <p:cNvSpPr>
+            <a:spLocks noGrp="1"/>
+          </p:cNvSpPr>
+          <p:nvPr>
+            <p:ph type="body" idx="1"/>
+          </p:nvPr>
+        </p:nvSpPr>
+        <p:spPr>
+          <a:xfrm>
+            <a:off x="437881" y="888642"/>
+            <a:ext cx="11346287" cy="5666704"/>
+          </a:xfrm>
+        </p:spPr>
+        <p:txBody>
+          <a:bodyPr/>
+          <a:lstStyle/>
+          <a:p>
+            <a:r>
+              <a:rPr lang="ru-RU" dirty="0"/>
+              <a:t>Представим, у вас есть некий объект в приложении, который используется много где, да и с ним работаете не только вы, он передаётся по разным функциям, над ним издеваются с помощью разных методов, и вдруг вам понадобилось запихнуть в этот объект свои данные, например </a:t>
+            </a:r>
+            <a:r>
+              <a:rPr lang="ru-RU" dirty="0" err="1"/>
+              <a:t>логи</a:t>
+            </a:r>
+            <a:r>
+              <a:rPr lang="ru-RU" dirty="0"/>
+              <a:t>.</a:t>
+            </a:r>
+          </a:p>
+          <a:p>
+            <a:r>
+              <a:rPr lang="ru-RU" dirty="0"/>
+              <a:t>Что вы будете делать — создадите новое поле объекта и присвоите ему свои </a:t>
+            </a:r>
+            <a:r>
+              <a:rPr lang="ru-RU" dirty="0" err="1"/>
+              <a:t>логи</a:t>
+            </a:r>
+            <a:r>
+              <a:rPr lang="ru-RU" dirty="0"/>
+              <a:t>. Но тут есть нюанс, если объект используется в большом количестве логики и другие разработчики как-то взаимодействуют с параметрами объекта, то есть шанс, что ваше новое поле где-то сможет сломать цикл, а где-то перезапишет собой другие поля.</a:t>
+            </a:r>
+          </a:p>
+          <a:p>
+            <a:r>
+              <a:rPr lang="ru-RU" dirty="0"/>
+              <a:t>Для решение этой проблемы, можно использовать </a:t>
+            </a:r>
+            <a:r>
+              <a:rPr lang="ru-RU" dirty="0" err="1" smtClean="0"/>
+              <a:t>symbol</a:t>
+            </a:r>
+            <a:r>
+              <a:rPr lang="en-US" dirty="0" smtClean="0"/>
+              <a:t>.</a:t>
+            </a:r>
+            <a:endParaRPr lang="ru-RU" dirty="0"/>
+          </a:p>
+          <a:p>
+            <a:endParaRPr lang="ru-RU" dirty="0"/>
+          </a:p>
+        </p:txBody>
+      </p:sp>
+    </p:spTree>
+    <p:extLst>
+      <p:ext uri="{BB962C8B-B14F-4D97-AF65-F5344CB8AC3E}">
+        <p14:creationId xmlns:p14="http://schemas.microsoft.com/office/powerpoint/2010/main" val="4270712826"/>
+      </p:ext>
+    </p:extLst>
+  </p:cSld>
+  <p:clrMapOvr>
+    <a:masterClrMapping/>
+  </p:clrMapOvr>
+</p:sld>
+</file>
+
+<file path=ppt/slides/slide11.xml><?xml version="1.0" encoding="utf-8"?>
+<p:sld xmlns:a="http://schemas.openxmlformats.org/drawingml/2006/main" xmlns:r="http://schemas.openxmlformats.org/officeDocument/2006/relationships" xmlns:p="http://schemas.openxmlformats.org/presentationml/2006/main">
+  <p:cSld>
+    <p:spTree>
+      <p:nvGrpSpPr>
+        <p:cNvPr id="1" name=""/>
+        <p:cNvGrpSpPr/>
+        <p:nvPr/>
+      </p:nvGrpSpPr>
+      <p:grpSpPr>
+        <a:xfrm>
+          <a:off x="0" y="0"/>
+          <a:ext cx="0" cy="0"/>
+          <a:chOff x="0" y="0"/>
+          <a:chExt cx="0" cy="0"/>
+        </a:xfrm>
+      </p:grpSpPr>
+      <p:sp>
+        <p:nvSpPr>
+          <p:cNvPr id="2" name="Заголовок 1"/>
+          <p:cNvSpPr>
+            <a:spLocks noGrp="1"/>
+          </p:cNvSpPr>
+          <p:nvPr>
+            <p:ph type="title"/>
+          </p:nvPr>
+        </p:nvSpPr>
+        <p:spPr>
+          <a:xfrm>
+            <a:off x="605307" y="324119"/>
+            <a:ext cx="10566400" cy="590281"/>
+          </a:xfrm>
+        </p:spPr>
+        <p:txBody>
+          <a:bodyPr/>
+          <a:lstStyle/>
+          <a:p>
+            <a:r>
+              <a:rPr lang="en-US" sz="3200" dirty="0" smtClean="0"/>
+              <a:t>8. </a:t>
+            </a:r>
+            <a:r>
+              <a:rPr lang="ru-RU" sz="3200" dirty="0">
+                <a:effectLst/>
+              </a:rPr>
+              <a:t>Зачем нужен </a:t>
+            </a:r>
+            <a:r>
+              <a:rPr lang="en-US" sz="3200" dirty="0">
+                <a:effectLst/>
+              </a:rPr>
+              <a:t>Symbol ?</a:t>
+            </a:r>
+            <a:endParaRPr lang="ru-RU" sz="3200" dirty="0"/>
+          </a:p>
+        </p:txBody>
+      </p:sp>
+      <p:sp>
+        <p:nvSpPr>
+          <p:cNvPr id="3" name="Текст 2"/>
+          <p:cNvSpPr>
+            <a:spLocks noGrp="1"/>
+          </p:cNvSpPr>
+          <p:nvPr>
+            <p:ph type="body" idx="1"/>
+          </p:nvPr>
+        </p:nvSpPr>
+        <p:spPr>
+          <a:xfrm>
+            <a:off x="334851" y="1017431"/>
+            <a:ext cx="11539470" cy="5589431"/>
+          </a:xfrm>
+        </p:spPr>
+        <p:txBody>
+          <a:bodyPr/>
+          <a:lstStyle/>
+          <a:p>
+            <a:r>
+              <a:rPr lang="ru-RU" dirty="0"/>
+              <a:t>Как видно, поле, ключом которого является </a:t>
+            </a:r>
+            <a:endParaRPr lang="en-US" dirty="0" smtClean="0"/>
+          </a:p>
+          <a:p>
+            <a:r>
+              <a:rPr lang="ru-RU" dirty="0" err="1" smtClean="0"/>
+              <a:t>symbol</a:t>
+            </a:r>
+            <a:r>
+              <a:rPr lang="ru-RU" dirty="0"/>
+              <a:t> , нельзя обнаружить с помощью </a:t>
+            </a:r>
+            <a:endParaRPr lang="en-US" dirty="0" smtClean="0"/>
+          </a:p>
+          <a:p>
+            <a:r>
+              <a:rPr lang="ru-RU" dirty="0" smtClean="0"/>
+              <a:t>методов </a:t>
+            </a:r>
+            <a:r>
+              <a:rPr lang="ru-RU" dirty="0"/>
+              <a:t>и конструкций вроде </a:t>
+            </a:r>
+            <a:r>
+              <a:rPr lang="ru-RU" dirty="0" err="1"/>
+              <a:t>for</a:t>
+            </a:r>
+            <a:r>
+              <a:rPr lang="ru-RU" dirty="0"/>
+              <a:t>..</a:t>
+            </a:r>
+            <a:r>
+              <a:rPr lang="ru-RU" dirty="0" err="1"/>
+              <a:t>in</a:t>
+            </a:r>
+            <a:r>
+              <a:rPr lang="ru-RU" dirty="0"/>
+              <a:t>. Поэтому </a:t>
+            </a:r>
+            <a:endParaRPr lang="en-US" dirty="0" smtClean="0"/>
+          </a:p>
+          <a:p>
+            <a:r>
+              <a:rPr lang="ru-RU" dirty="0" smtClean="0"/>
+              <a:t>новое </a:t>
+            </a:r>
+            <a:r>
+              <a:rPr lang="ru-RU" dirty="0"/>
+              <a:t>свойство объекта не сломает </a:t>
+            </a:r>
+            <a:r>
+              <a:rPr lang="ru-RU" dirty="0" err="1" smtClean="0"/>
+              <a:t>приложе</a:t>
+            </a:r>
+            <a:r>
+              <a:rPr lang="en-US" dirty="0" smtClean="0"/>
+              <a:t> –</a:t>
+            </a:r>
+          </a:p>
+          <a:p>
+            <a:r>
+              <a:rPr lang="ru-RU" dirty="0" err="1" smtClean="0"/>
+              <a:t>ние</a:t>
+            </a:r>
+            <a:r>
+              <a:rPr lang="ru-RU" dirty="0" smtClean="0"/>
+              <a:t> </a:t>
+            </a:r>
+            <a:r>
+              <a:rPr lang="ru-RU" dirty="0"/>
+              <a:t>там, где используется логика похожая на </a:t>
+            </a:r>
+            <a:endParaRPr lang="en-US" dirty="0" smtClean="0"/>
+          </a:p>
+          <a:p>
+            <a:r>
+              <a:rPr lang="ru-RU" dirty="0" smtClean="0"/>
+              <a:t>ту</a:t>
+            </a:r>
+            <a:r>
+              <a:rPr lang="ru-RU" dirty="0"/>
+              <a:t>, что выше.</a:t>
+            </a:r>
+          </a:p>
+          <a:p>
+            <a:r>
+              <a:rPr lang="ru-RU" dirty="0"/>
+              <a:t>Ну </a:t>
+            </a:r>
+            <a:r>
+              <a:rPr lang="ru-RU" dirty="0" err="1"/>
+              <a:t>окей</a:t>
+            </a:r>
+            <a:r>
+              <a:rPr lang="ru-RU" dirty="0"/>
+              <a:t>. Представим, вы вдруг решили </a:t>
+            </a:r>
+            <a:endParaRPr lang="en-US" dirty="0" smtClean="0"/>
+          </a:p>
+          <a:p>
+            <a:r>
+              <a:rPr lang="ru-RU" dirty="0" smtClean="0"/>
+              <a:t>добавить </a:t>
+            </a:r>
+            <a:r>
+              <a:rPr lang="ru-RU" dirty="0"/>
+              <a:t>свойство __</a:t>
+            </a:r>
+            <a:r>
+              <a:rPr lang="ru-RU" dirty="0" err="1"/>
+              <a:t>my_uniq_logs</a:t>
+            </a:r>
+            <a:r>
+              <a:rPr lang="ru-RU" dirty="0"/>
+              <a:t>__, вместо </a:t>
+            </a:r>
+            <a:endParaRPr lang="en-US" dirty="0" smtClean="0"/>
+          </a:p>
+          <a:p>
+            <a:r>
+              <a:rPr lang="ru-RU" dirty="0" err="1" smtClean="0"/>
+              <a:t>symbol</a:t>
+            </a:r>
+            <a:r>
+              <a:rPr lang="ru-RU" dirty="0"/>
+              <a:t>, тогда смотрим что произойдёт дальше.</a:t>
+            </a:r>
+          </a:p>
+          <a:p>
+            <a:r>
+              <a:rPr lang="en-US" dirty="0" smtClean="0"/>
+              <a:t>1. </a:t>
+            </a:r>
+            <a:r>
+              <a:rPr lang="ru-RU" dirty="0" smtClean="0"/>
+              <a:t>При </a:t>
+            </a:r>
+            <a:r>
+              <a:rPr lang="ru-RU" dirty="0"/>
+              <a:t>вызове метода </a:t>
+            </a:r>
+            <a:r>
+              <a:rPr lang="ru-RU" dirty="0" err="1"/>
+              <a:t>Object.keys</a:t>
+            </a:r>
+            <a:r>
+              <a:rPr lang="ru-RU" dirty="0"/>
+              <a:t>(</a:t>
+            </a:r>
+            <a:r>
+              <a:rPr lang="ru-RU" dirty="0" err="1"/>
+              <a:t>myObj</a:t>
+            </a:r>
+            <a:r>
+              <a:rPr lang="ru-RU" dirty="0"/>
+              <a:t>) вернётся дополнительное поле — ваши </a:t>
+            </a:r>
+            <a:r>
+              <a:rPr lang="ru-RU" dirty="0" err="1"/>
+              <a:t>логи</a:t>
+            </a:r>
+            <a:r>
+              <a:rPr lang="ru-RU" dirty="0"/>
+              <a:t> </a:t>
+            </a:r>
+            <a:r>
+              <a:rPr lang="en-US" dirty="0" smtClean="0"/>
+              <a:t>  </a:t>
+            </a:r>
+            <a:r>
+              <a:rPr lang="ru-RU" dirty="0" smtClean="0"/>
+              <a:t>(</a:t>
+            </a:r>
+            <a:r>
+              <a:rPr lang="ru-RU" dirty="0"/>
+              <a:t>а </a:t>
+            </a:r>
+            <a:r>
+              <a:rPr lang="ru-RU" dirty="0" err="1"/>
+              <a:t>Object.keys</a:t>
+            </a:r>
+            <a:r>
+              <a:rPr lang="ru-RU" dirty="0"/>
+              <a:t> обычно используется для прохода по массиву ключей)</a:t>
+            </a:r>
+          </a:p>
+          <a:p>
+            <a:r>
+              <a:rPr lang="en-US" dirty="0" smtClean="0"/>
+              <a:t>2. </a:t>
+            </a:r>
+            <a:r>
+              <a:rPr lang="ru-RU" dirty="0" smtClean="0"/>
+              <a:t>Новая </a:t>
+            </a:r>
+            <a:r>
+              <a:rPr lang="ru-RU" dirty="0"/>
+              <a:t>не предвиденная переменная (ваши </a:t>
+            </a:r>
+            <a:r>
+              <a:rPr lang="ru-RU" dirty="0" err="1"/>
+              <a:t>логи</a:t>
+            </a:r>
+            <a:r>
+              <a:rPr lang="ru-RU" dirty="0"/>
+              <a:t>) в этом массиве ломает приложение</a:t>
+            </a:r>
+          </a:p>
+          <a:p>
+            <a:r>
+              <a:rPr lang="ru-RU" dirty="0"/>
+              <a:t>Так что, </a:t>
+            </a:r>
+            <a:r>
+              <a:rPr lang="ru-RU" dirty="0" err="1"/>
+              <a:t>Symbol</a:t>
+            </a:r>
+            <a:r>
+              <a:rPr lang="ru-RU" dirty="0"/>
+              <a:t> — ваш друг.</a:t>
+            </a:r>
+          </a:p>
+          <a:p>
+            <a:endParaRPr lang="ru-RU" dirty="0"/>
+          </a:p>
+        </p:txBody>
+      </p:sp>
+      <p:pic>
+        <p:nvPicPr>
+          <p:cNvPr id="4" name="Рисунок 3"/>
+          <p:cNvPicPr>
+            <a:picLocks noChangeAspect="1"/>
+          </p:cNvPicPr>
+          <p:nvPr/>
+        </p:nvPicPr>
+        <p:blipFill>
+          <a:blip r:embed="rId2">
+            <a:extLst>
+              <a:ext uri="{28A0092B-C50C-407E-A947-70E740481C1C}">
+                <a14:useLocalDpi xmlns:a14="http://schemas.microsoft.com/office/drawing/2010/main" val="0"/>
+              </a:ext>
+            </a:extLst>
+          </a:blip>
+          <a:stretch>
+            <a:fillRect/>
+          </a:stretch>
+        </p:blipFill>
+        <p:spPr>
+          <a:xfrm>
+            <a:off x="6438932" y="1094133"/>
+            <a:ext cx="5315692" cy="3381847"/>
+          </a:xfrm>
+          <a:prstGeom prst="rect">
+            <a:avLst/>
+          </a:prstGeom>
+        </p:spPr>
+      </p:pic>
+    </p:spTree>
+    <p:extLst>
+      <p:ext uri="{BB962C8B-B14F-4D97-AF65-F5344CB8AC3E}">
+        <p14:creationId xmlns:p14="http://schemas.microsoft.com/office/powerpoint/2010/main" val="3030858914"/>
+      </p:ext>
+    </p:extLst>
+  </p:cSld>
+  <p:clrMapOvr>
+    <a:masterClrMapping/>
+  </p:clrMapOvr>
+</p:sld>
+</file>
+
+<file path=ppt/slides/slide12.xml><?xml version="1.0" encoding="utf-8"?>
+<p:sld xmlns:a="http://schemas.openxmlformats.org/drawingml/2006/main" xmlns:r="http://schemas.openxmlformats.org/officeDocument/2006/relationships" xmlns:p="http://schemas.openxmlformats.org/presentationml/2006/main">
+  <p:cSld>
+    <p:spTree>
+      <p:nvGrpSpPr>
+        <p:cNvPr id="1" name=""/>
+        <p:cNvGrpSpPr/>
+        <p:nvPr/>
+      </p:nvGrpSpPr>
+      <p:grpSpPr>
+        <a:xfrm>
+          <a:off x="0" y="0"/>
+          <a:ext cx="0" cy="0"/>
+          <a:chOff x="0" y="0"/>
+          <a:chExt cx="0" cy="0"/>
+        </a:xfrm>
+      </p:grpSpPr>
+      <p:sp>
+        <p:nvSpPr>
+          <p:cNvPr id="2" name="Заголовок 1"/>
+          <p:cNvSpPr>
+            <a:spLocks noGrp="1"/>
+          </p:cNvSpPr>
+          <p:nvPr>
+            <p:ph type="title"/>
+          </p:nvPr>
+        </p:nvSpPr>
+        <p:spPr>
+          <a:xfrm>
+            <a:off x="734096" y="195330"/>
+            <a:ext cx="10566400" cy="616039"/>
+          </a:xfrm>
+        </p:spPr>
+        <p:txBody>
+          <a:bodyPr/>
+          <a:lstStyle/>
+          <a:p>
+            <a:r>
+              <a:rPr lang="ru-RU" sz="3200" dirty="0" smtClean="0"/>
+              <a:t>9. Ссылки</a:t>
+            </a:r>
+            <a:endParaRPr lang="ru-RU" sz="3200" dirty="0"/>
+          </a:p>
+        </p:txBody>
+      </p:sp>
+      <p:sp>
+        <p:nvSpPr>
+          <p:cNvPr id="3" name="Текст 2"/>
+          <p:cNvSpPr>
+            <a:spLocks noGrp="1"/>
+          </p:cNvSpPr>
+          <p:nvPr>
+            <p:ph type="body" idx="1"/>
+          </p:nvPr>
+        </p:nvSpPr>
+        <p:spPr>
+          <a:xfrm>
+            <a:off x="695459" y="811369"/>
+            <a:ext cx="10785341" cy="5132231"/>
+          </a:xfrm>
+        </p:spPr>
+        <p:txBody>
+          <a:bodyPr/>
+          <a:lstStyle/>
+          <a:p>
+            <a:pPr marL="228600" indent="-228600">
+              <a:buAutoNum type="arabicPeriod"/>
+            </a:pPr>
+            <a:r>
+              <a:rPr lang="en-US" sz="1200" dirty="0" smtClean="0">
+                <a:solidFill>
+                  <a:schemeClr val="bg2"/>
+                </a:solidFill>
+                <a:hlinkClick r:id="rId2"/>
+              </a:rPr>
+              <a:t>https</a:t>
+            </a:r>
+            <a:r>
+              <a:rPr lang="en-US" sz="1200" dirty="0">
+                <a:solidFill>
+                  <a:schemeClr val="bg2"/>
+                </a:solidFill>
+                <a:hlinkClick r:id="rId2"/>
+              </a:rPr>
+              <a:t>://</a:t>
+            </a:r>
+            <a:r>
+              <a:rPr lang="en-US" sz="1200" dirty="0" smtClean="0">
+                <a:solidFill>
+                  <a:schemeClr val="bg2"/>
+                </a:solidFill>
+                <a:hlinkClick r:id="rId2"/>
+              </a:rPr>
+              <a:t>developer.mozilla.org/ru/docs/Web/JavaScript/Reference/Global_Objects/Symbol</a:t>
+            </a:r>
+            <a:endParaRPr lang="ru-RU" sz="1200" dirty="0" smtClean="0">
+              <a:solidFill>
+                <a:schemeClr val="bg2"/>
+              </a:solidFill>
+            </a:endParaRPr>
+          </a:p>
+          <a:p>
+            <a:pPr marL="228600" indent="-228600">
+              <a:buAutoNum type="arabicPeriod"/>
+            </a:pPr>
+            <a:r>
+              <a:rPr lang="en-US" sz="1200" dirty="0">
+                <a:solidFill>
+                  <a:schemeClr val="bg2"/>
+                </a:solidFill>
+                <a:hlinkClick r:id="rId3"/>
+              </a:rPr>
+              <a:t>https://</a:t>
+            </a:r>
+            <a:r>
+              <a:rPr lang="en-US" sz="1200" dirty="0" smtClean="0">
+                <a:solidFill>
+                  <a:schemeClr val="bg2"/>
+                </a:solidFill>
+                <a:hlinkClick r:id="rId3"/>
+              </a:rPr>
+              <a:t>learn.javascript.ru/symbol</a:t>
+            </a:r>
+            <a:endParaRPr lang="ru-RU" sz="1200" dirty="0" smtClean="0">
+              <a:solidFill>
+                <a:schemeClr val="bg2"/>
+              </a:solidFill>
+            </a:endParaRPr>
+          </a:p>
+          <a:p>
+            <a:pPr marL="228600" indent="-228600">
+              <a:buAutoNum type="arabicPeriod"/>
+            </a:pPr>
+            <a:r>
+              <a:rPr lang="en-US" sz="1200" dirty="0">
+                <a:solidFill>
+                  <a:schemeClr val="bg2"/>
+                </a:solidFill>
+                <a:hlinkClick r:id="rId4"/>
+              </a:rPr>
+              <a:t>https://</a:t>
+            </a:r>
+            <a:r>
+              <a:rPr lang="en-US" sz="1200" dirty="0" smtClean="0">
+                <a:solidFill>
+                  <a:schemeClr val="bg2"/>
+                </a:solidFill>
+                <a:hlinkClick r:id="rId4"/>
+              </a:rPr>
+              <a:t>habr.com/ru/company/ruvds/blog/444340</a:t>
+            </a:r>
+            <a:endParaRPr lang="ru-RU" sz="1200" dirty="0" smtClean="0">
+              <a:solidFill>
+                <a:schemeClr val="bg2"/>
+              </a:solidFill>
+            </a:endParaRPr>
+          </a:p>
+          <a:p>
+            <a:pPr marL="228600" indent="-228600">
+              <a:buAutoNum type="arabicPeriod"/>
+            </a:pPr>
+            <a:r>
+              <a:rPr lang="en-US" sz="1200" dirty="0">
+                <a:solidFill>
+                  <a:schemeClr val="bg2"/>
+                </a:solidFill>
+                <a:hlinkClick r:id="rId5"/>
+              </a:rPr>
+              <a:t>https://nickbulljs.medium.com/%D0%B7%D0%B0%D1%87%D0%B5%D0%BC-%D0%BE%D0%BD%D0%B8-%D0%BD%D1%83%D0%B6%D0%BD%D1%8B-%</a:t>
+            </a:r>
+            <a:r>
+              <a:rPr lang="en-US" sz="1200" dirty="0" smtClean="0">
+                <a:solidFill>
+                  <a:schemeClr val="bg2"/>
+                </a:solidFill>
+                <a:hlinkClick r:id="rId5"/>
+              </a:rPr>
+              <a:t>D0%B2-javascript-symbol-iterator-generator-d5d186b4f1bd</a:t>
+            </a:r>
+            <a:endParaRPr lang="ru-RU" sz="1200" dirty="0" smtClean="0">
+              <a:solidFill>
+                <a:schemeClr val="bg2"/>
+              </a:solidFill>
+            </a:endParaRPr>
+          </a:p>
+          <a:p>
+            <a:pPr marL="228600" indent="-228600">
+              <a:buAutoNum type="arabicPeriod"/>
+            </a:pPr>
+            <a:r>
+              <a:rPr lang="en-US" sz="1200" dirty="0">
+                <a:solidFill>
+                  <a:schemeClr val="bg2"/>
+                </a:solidFill>
+                <a:hlinkClick r:id="rId6"/>
+              </a:rPr>
+              <a:t>https://www.keithcirkel.co.uk/metaprogramming-in-es6-symbols/</a:t>
+            </a:r>
+            <a:endParaRPr lang="ru-RU" sz="1200" dirty="0">
+              <a:solidFill>
+                <a:schemeClr val="bg2"/>
+              </a:solidFill>
+            </a:endParaRPr>
+          </a:p>
+        </p:txBody>
+      </p:sp>
+    </p:spTree>
+    <p:extLst>
+      <p:ext uri="{BB962C8B-B14F-4D97-AF65-F5344CB8AC3E}">
+        <p14:creationId xmlns:p14="http://schemas.microsoft.com/office/powerpoint/2010/main" val="4206647069"/>
+      </p:ext>
+    </p:extLst>
+  </p:cSld>
+  <p:clrMapOvr>
+    <a:masterClrMapping/>
+  </p:clrMapOvr>
+</p:sld>
+</file>
+
 <file path=ppt/slides/slide2.xml><?xml version="1.0" encoding="utf-8"?>
 <p:sld xmlns:a="http://schemas.openxmlformats.org/drawingml/2006/main" xmlns:r="http://schemas.openxmlformats.org/officeDocument/2006/relationships" xmlns:p="http://schemas.openxmlformats.org/presentationml/2006/main">
   <p:cSld>
@@ -3390,7 +4111,7 @@
             </a:pPr>
             <a:r>
               <a:rPr lang="ru-RU" dirty="0" smtClean="0"/>
-              <a:t>Скрытые свойства</a:t>
+              <a:t>Приведение к строке</a:t>
             </a:r>
             <a:endParaRPr lang="en-US" dirty="0" smtClean="0"/>
           </a:p>
@@ -3399,12 +4120,8 @@
               <a:buAutoNum type="arabicPeriod"/>
             </a:pPr>
             <a:r>
-              <a:rPr lang="en-US" dirty="0" smtClean="0"/>
-              <a:t>Symbol </a:t>
-            </a:r>
-            <a:r>
               <a:rPr lang="ru-RU" dirty="0" smtClean="0"/>
-              <a:t>в литеральном объекте</a:t>
+              <a:t>Скрытые свойства</a:t>
             </a:r>
             <a:endParaRPr lang="en-US" dirty="0" smtClean="0"/>
           </a:p>
@@ -3418,12 +4135,9 @@
             </a:r>
             <a:r>
               <a:rPr lang="ru-RU" dirty="0" smtClean="0"/>
-              <a:t>и цикл </a:t>
-            </a:r>
-            <a:r>
-              <a:rPr lang="en-US" dirty="0" smtClean="0"/>
-              <a:t>for…in</a:t>
-            </a:r>
+              <a:t>в литеральном объекте</a:t>
+            </a:r>
+            <a:endParaRPr lang="en-US" dirty="0" smtClean="0"/>
           </a:p>
           <a:p>
             <a:pPr marL="457200" indent="-457200">
@@ -3431,7 +4145,15 @@
             </a:pPr>
             <a:r>
               <a:rPr lang="en-US" dirty="0" smtClean="0"/>
-              <a:t>Global symbols</a:t>
+              <a:t>Symbol </a:t>
+            </a:r>
+            <a:r>
+              <a:rPr lang="ru-RU" dirty="0" smtClean="0"/>
+              <a:t>и цикл </a:t>
+            </a:r>
+            <a:r>
+              <a:rPr lang="en-US" dirty="0" smtClean="0"/>
+              <a:t>for…in</a:t>
             </a:r>
           </a:p>
           <a:p>
@@ -3439,12 +4161,30 @@
               <a:buAutoNum type="arabicPeriod"/>
             </a:pPr>
             <a:r>
+              <a:rPr lang="en-US" dirty="0" smtClean="0"/>
+              <a:t>Global symbols</a:t>
+            </a:r>
+          </a:p>
+          <a:p>
+            <a:pPr marL="457200" indent="-457200">
+              <a:buAutoNum type="arabicPeriod"/>
+            </a:pPr>
+            <a:r>
               <a:rPr lang="ru-RU" dirty="0" smtClean="0"/>
               <a:t>Зачем</a:t>
             </a:r>
             <a:r>
               <a:rPr lang="en-US" dirty="0" smtClean="0"/>
               <a:t>?</a:t>
+            </a:r>
+          </a:p>
+          <a:p>
+            <a:pPr marL="457200" indent="-457200">
+              <a:buAutoNum type="arabicPeriod"/>
+            </a:pPr>
+            <a:r>
+              <a:rPr lang="ru-RU" dirty="0" smtClean="0"/>
+              <a:t>Полезные ссылки</a:t>
             </a:r>
             <a:endParaRPr lang="ru-RU" dirty="0"/>
           </a:p>
@@ -3508,11 +4248,7 @@
             </a:r>
             <a:r>
               <a:rPr lang="ru-RU" sz="4000" b="1" dirty="0" smtClean="0"/>
-              <a:t>Предварительные  </a:t>
-            </a:r>
-            <a:r>
-              <a:rPr lang="ru-RU" sz="4000" b="1" dirty="0" smtClean="0"/>
-              <a:t>сведения</a:t>
+              <a:t>Предварительные  сведения</a:t>
             </a:r>
             <a:endParaRPr lang="ru-RU" sz="4000" b="1" dirty="0"/>
           </a:p>
@@ -3608,7 +4344,15 @@
             </a:r>
             <a:r>
               <a:rPr lang="ru-RU" dirty="0" smtClean="0"/>
-              <a:t>То есть, например 1 как значение – не меняется.</a:t>
+              <a:t>То есть, например </a:t>
+            </a:r>
+            <a:r>
+              <a:rPr lang="ru-RU" sz="3200" dirty="0" smtClean="0"/>
+              <a:t>1</a:t>
+            </a:r>
+            <a:r>
+              <a:rPr lang="ru-RU" dirty="0" smtClean="0"/>
+              <a:t> как значение – не меняется.</a:t>
             </a:r>
           </a:p>
           <a:p>
@@ -3646,7 +4390,15 @@
             </a:r>
             <a:r>
               <a:rPr lang="en-US" dirty="0" smtClean="0"/>
-              <a:t> 1.</a:t>
+              <a:t> </a:t>
+            </a:r>
+            <a:r>
+              <a:rPr lang="en-US" sz="3200" dirty="0" smtClean="0"/>
+              <a:t>1</a:t>
+            </a:r>
+            <a:r>
+              <a:rPr lang="en-US" dirty="0" smtClean="0"/>
+              <a:t>.</a:t>
             </a:r>
             <a:endParaRPr lang="ru-RU" dirty="0"/>
           </a:p>
@@ -3674,7 +4426,7 @@
         </p:blipFill>
         <p:spPr>
           <a:xfrm>
-            <a:off x="1661376" y="3505945"/>
+            <a:off x="1661376" y="3634734"/>
             <a:ext cx="3876540" cy="1246360"/>
           </a:xfrm>
           <a:prstGeom prst="rect">
@@ -3695,10 +4447,1582 @@
 </p:sld>
 </file>
 
+<file path=ppt/slides/slide4.xml><?xml version="1.0" encoding="utf-8"?>
+<p:sld xmlns:a="http://schemas.openxmlformats.org/drawingml/2006/main" xmlns:r="http://schemas.openxmlformats.org/officeDocument/2006/relationships" xmlns:p="http://schemas.openxmlformats.org/presentationml/2006/main">
+  <p:cSld>
+    <p:spTree>
+      <p:nvGrpSpPr>
+        <p:cNvPr id="1" name=""/>
+        <p:cNvGrpSpPr/>
+        <p:nvPr/>
+      </p:nvGrpSpPr>
+      <p:grpSpPr>
+        <a:xfrm>
+          <a:off x="0" y="0"/>
+          <a:ext cx="0" cy="0"/>
+          <a:chOff x="0" y="0"/>
+          <a:chExt cx="0" cy="0"/>
+        </a:xfrm>
+      </p:grpSpPr>
+      <p:sp>
+        <p:nvSpPr>
+          <p:cNvPr id="2" name="Заголовок 1"/>
+          <p:cNvSpPr>
+            <a:spLocks noGrp="1"/>
+          </p:cNvSpPr>
+          <p:nvPr>
+            <p:ph type="title"/>
+          </p:nvPr>
+        </p:nvSpPr>
+        <p:spPr>
+          <a:xfrm>
+            <a:off x="772732" y="324118"/>
+            <a:ext cx="10566400" cy="693313"/>
+          </a:xfrm>
+        </p:spPr>
+        <p:txBody>
+          <a:bodyPr/>
+          <a:lstStyle/>
+          <a:p>
+            <a:r>
+              <a:rPr lang="ru-RU" dirty="0" smtClean="0"/>
+              <a:t>2.</a:t>
+            </a:r>
+            <a:r>
+              <a:rPr lang="en-US" dirty="0" smtClean="0"/>
+              <a:t>Symbol</a:t>
+            </a:r>
+            <a:endParaRPr lang="ru-RU" dirty="0"/>
+          </a:p>
+        </p:txBody>
+      </p:sp>
+      <p:sp>
+        <p:nvSpPr>
+          <p:cNvPr id="3" name="Текст 2"/>
+          <p:cNvSpPr>
+            <a:spLocks noGrp="1"/>
+          </p:cNvSpPr>
+          <p:nvPr>
+            <p:ph type="body" idx="1"/>
+          </p:nvPr>
+        </p:nvSpPr>
+        <p:spPr>
+          <a:xfrm>
+            <a:off x="917673" y="914400"/>
+            <a:ext cx="10566400" cy="5756855"/>
+          </a:xfrm>
+        </p:spPr>
+        <p:txBody>
+          <a:bodyPr>
+            <a:normAutofit lnSpcReduction="10000"/>
+          </a:bodyPr>
+          <a:lstStyle/>
+          <a:p>
+            <a:r>
+              <a:rPr lang="ru-RU" b="1" dirty="0"/>
+              <a:t>Символ (</a:t>
+            </a:r>
+            <a:r>
+              <a:rPr lang="ru-RU" b="1" dirty="0" err="1"/>
+              <a:t>анг</a:t>
+            </a:r>
+            <a:r>
+              <a:rPr lang="ru-RU" b="1" dirty="0"/>
+              <a:t>. </a:t>
+            </a:r>
+            <a:r>
+              <a:rPr lang="ru-RU" b="1" dirty="0" err="1"/>
+              <a:t>Symbol</a:t>
+            </a:r>
+            <a:r>
+              <a:rPr lang="ru-RU" b="1" dirty="0"/>
+              <a:t>)</a:t>
+            </a:r>
+            <a:r>
+              <a:rPr lang="ru-RU" dirty="0"/>
+              <a:t> — это уникальный и неизменяемый тип данных, который может быть использован как идентификатор для свойств </a:t>
+            </a:r>
+            <a:r>
+              <a:rPr lang="ru-RU" dirty="0" smtClean="0"/>
+              <a:t>объектов</a:t>
+            </a:r>
+            <a:r>
+              <a:rPr lang="en-US" dirty="0" smtClean="0"/>
+              <a:t>.</a:t>
+            </a:r>
+          </a:p>
+          <a:p>
+            <a:r>
+              <a:rPr lang="ru-RU" dirty="0"/>
+              <a:t>Создаются новые символы с помощью функции </a:t>
+            </a:r>
+            <a:r>
+              <a:rPr lang="ru-RU" dirty="0" err="1"/>
+              <a:t>Symbol</a:t>
+            </a:r>
+            <a:r>
+              <a:rPr lang="ru-RU" dirty="0" smtClean="0"/>
+              <a:t>():</a:t>
+            </a:r>
+            <a:endParaRPr lang="en-US" dirty="0" smtClean="0"/>
+          </a:p>
+          <a:p>
+            <a:endParaRPr lang="en-US" dirty="0" smtClean="0"/>
+          </a:p>
+          <a:p>
+            <a:endParaRPr lang="en-US" dirty="0"/>
+          </a:p>
+          <a:p>
+            <a:endParaRPr lang="ru-RU" dirty="0" smtClean="0"/>
+          </a:p>
+          <a:p>
+            <a:r>
+              <a:rPr lang="ru-RU" dirty="0" smtClean="0"/>
+              <a:t>При </a:t>
+            </a:r>
+            <a:r>
+              <a:rPr lang="ru-RU" dirty="0"/>
+              <a:t>создании символу можно дать описание (также называемое имя), в основном использующееся для отладки кода</a:t>
+            </a:r>
+            <a:r>
+              <a:rPr lang="ru-RU" dirty="0" smtClean="0"/>
+              <a:t>:</a:t>
+            </a:r>
+            <a:endParaRPr lang="en-US" dirty="0" smtClean="0"/>
+          </a:p>
+          <a:p>
+            <a:endParaRPr lang="en-US" b="1" dirty="0" smtClean="0"/>
+          </a:p>
+          <a:p>
+            <a:r>
+              <a:rPr lang="ru-RU" dirty="0"/>
+              <a:t>Теперь давайте посложнее.</a:t>
+            </a:r>
+            <a:endParaRPr lang="en-US" b="1" dirty="0"/>
+          </a:p>
+          <a:p>
+            <a:endParaRPr lang="en-US" b="1" dirty="0" smtClean="0"/>
+          </a:p>
+          <a:p>
+            <a:endParaRPr lang="en-US" b="1" dirty="0"/>
+          </a:p>
+          <a:p>
+            <a:r>
+              <a:rPr lang="ru-RU" dirty="0"/>
+              <a:t>Вот тут </a:t>
+            </a:r>
+            <a:r>
+              <a:rPr lang="ru-RU" dirty="0" err="1"/>
+              <a:t>symbol</a:t>
+            </a:r>
+            <a:r>
+              <a:rPr lang="ru-RU" dirty="0"/>
+              <a:t> становится немного странным, все другие примитивы могут стать объектами, если объявить их через </a:t>
+            </a:r>
+            <a:r>
+              <a:rPr lang="ru-RU" dirty="0" err="1"/>
+              <a:t>new</a:t>
+            </a:r>
+            <a:r>
+              <a:rPr lang="ru-RU" dirty="0"/>
+              <a:t>, а </a:t>
+            </a:r>
+            <a:r>
+              <a:rPr lang="ru-RU" dirty="0" err="1"/>
+              <a:t>symbol</a:t>
+            </a:r>
+            <a:r>
+              <a:rPr lang="ru-RU" dirty="0"/>
+              <a:t> не может. Почему так</a:t>
+            </a:r>
+            <a:r>
+              <a:rPr lang="ru-RU" dirty="0" smtClean="0"/>
+              <a:t>?</a:t>
+            </a:r>
+            <a:endParaRPr lang="en-US" dirty="0" smtClean="0"/>
+          </a:p>
+          <a:p>
+            <a:r>
+              <a:rPr lang="ru-RU" dirty="0"/>
+              <a:t>Простыми словами — от символа мы хотим получить уникальный идентификатор, то есть сам Символ, а </a:t>
+            </a:r>
+            <a:r>
+              <a:rPr lang="ru-RU" dirty="0" err="1"/>
+              <a:t>new</a:t>
+            </a:r>
+            <a:r>
+              <a:rPr lang="ru-RU" dirty="0"/>
+              <a:t> возвращает объект, объект нам не нужен.</a:t>
+            </a:r>
+            <a:endParaRPr lang="en-US" b="1" dirty="0" smtClean="0"/>
+          </a:p>
+        </p:txBody>
+      </p:sp>
+      <p:pic>
+        <p:nvPicPr>
+          <p:cNvPr id="4" name="Рисунок 3"/>
+          <p:cNvPicPr>
+            <a:picLocks noChangeAspect="1"/>
+          </p:cNvPicPr>
+          <p:nvPr/>
+        </p:nvPicPr>
+        <p:blipFill>
+          <a:blip r:embed="rId2">
+            <a:extLst>
+              <a:ext uri="{28A0092B-C50C-407E-A947-70E740481C1C}">
+                <a14:useLocalDpi xmlns:a14="http://schemas.microsoft.com/office/drawing/2010/main" val="0"/>
+              </a:ext>
+            </a:extLst>
+          </a:blip>
+          <a:stretch>
+            <a:fillRect/>
+          </a:stretch>
+        </p:blipFill>
+        <p:spPr>
+          <a:xfrm>
+            <a:off x="3874037" y="1886558"/>
+            <a:ext cx="3917680" cy="1049825"/>
+          </a:xfrm>
+          <a:prstGeom prst="rect">
+            <a:avLst/>
+          </a:prstGeom>
+        </p:spPr>
+      </p:pic>
+      <p:pic>
+        <p:nvPicPr>
+          <p:cNvPr id="5" name="Рисунок 4"/>
+          <p:cNvPicPr>
+            <a:picLocks noChangeAspect="1"/>
+          </p:cNvPicPr>
+          <p:nvPr/>
+        </p:nvPicPr>
+        <p:blipFill>
+          <a:blip r:embed="rId3">
+            <a:extLst>
+              <a:ext uri="{28A0092B-C50C-407E-A947-70E740481C1C}">
+                <a14:useLocalDpi xmlns:a14="http://schemas.microsoft.com/office/drawing/2010/main" val="0"/>
+              </a:ext>
+            </a:extLst>
+          </a:blip>
+          <a:stretch>
+            <a:fillRect/>
+          </a:stretch>
+        </p:blipFill>
+        <p:spPr>
+          <a:xfrm>
+            <a:off x="6853371" y="3269607"/>
+            <a:ext cx="2367899" cy="341505"/>
+          </a:xfrm>
+          <a:prstGeom prst="rect">
+            <a:avLst/>
+          </a:prstGeom>
+        </p:spPr>
+      </p:pic>
+      <p:pic>
+        <p:nvPicPr>
+          <p:cNvPr id="7" name="Рисунок 6"/>
+          <p:cNvPicPr>
+            <a:picLocks noChangeAspect="1"/>
+          </p:cNvPicPr>
+          <p:nvPr/>
+        </p:nvPicPr>
+        <p:blipFill>
+          <a:blip r:embed="rId4">
+            <a:extLst>
+              <a:ext uri="{28A0092B-C50C-407E-A947-70E740481C1C}">
+                <a14:useLocalDpi xmlns:a14="http://schemas.microsoft.com/office/drawing/2010/main" val="0"/>
+              </a:ext>
+            </a:extLst>
+          </a:blip>
+          <a:stretch>
+            <a:fillRect/>
+          </a:stretch>
+        </p:blipFill>
+        <p:spPr>
+          <a:xfrm>
+            <a:off x="2540362" y="4216920"/>
+            <a:ext cx="6585029" cy="715688"/>
+          </a:xfrm>
+          <a:prstGeom prst="rect">
+            <a:avLst/>
+          </a:prstGeom>
+        </p:spPr>
+      </p:pic>
+    </p:spTree>
+    <p:extLst>
+      <p:ext uri="{BB962C8B-B14F-4D97-AF65-F5344CB8AC3E}">
+        <p14:creationId xmlns:p14="http://schemas.microsoft.com/office/powerpoint/2010/main" val="149423618"/>
+      </p:ext>
+    </p:extLst>
+  </p:cSld>
+  <p:clrMapOvr>
+    <a:masterClrMapping/>
+  </p:clrMapOvr>
+</p:sld>
+</file>
+
+<file path=ppt/slides/slide5.xml><?xml version="1.0" encoding="utf-8"?>
+<p:sld xmlns:a="http://schemas.openxmlformats.org/drawingml/2006/main" xmlns:r="http://schemas.openxmlformats.org/officeDocument/2006/relationships" xmlns:p="http://schemas.openxmlformats.org/presentationml/2006/main">
+  <p:cSld>
+    <p:spTree>
+      <p:nvGrpSpPr>
+        <p:cNvPr id="1" name=""/>
+        <p:cNvGrpSpPr/>
+        <p:nvPr/>
+      </p:nvGrpSpPr>
+      <p:grpSpPr>
+        <a:xfrm>
+          <a:off x="0" y="0"/>
+          <a:ext cx="0" cy="0"/>
+          <a:chOff x="0" y="0"/>
+          <a:chExt cx="0" cy="0"/>
+        </a:xfrm>
+      </p:grpSpPr>
+      <p:sp>
+        <p:nvSpPr>
+          <p:cNvPr id="2" name="Заголовок 1"/>
+          <p:cNvSpPr>
+            <a:spLocks noGrp="1"/>
+          </p:cNvSpPr>
+          <p:nvPr>
+            <p:ph type="title"/>
+          </p:nvPr>
+        </p:nvSpPr>
+        <p:spPr>
+          <a:xfrm>
+            <a:off x="772733" y="272604"/>
+            <a:ext cx="10566400" cy="603160"/>
+          </a:xfrm>
+        </p:spPr>
+        <p:txBody>
+          <a:bodyPr/>
+          <a:lstStyle/>
+          <a:p>
+            <a:r>
+              <a:rPr lang="ru-RU" dirty="0" smtClean="0"/>
+              <a:t>3.Приведение к строке</a:t>
+            </a:r>
+            <a:endParaRPr lang="ru-RU" dirty="0"/>
+          </a:p>
+        </p:txBody>
+      </p:sp>
+      <p:sp>
+        <p:nvSpPr>
+          <p:cNvPr id="3" name="Текст 2"/>
+          <p:cNvSpPr>
+            <a:spLocks noGrp="1"/>
+          </p:cNvSpPr>
+          <p:nvPr>
+            <p:ph type="body" idx="1"/>
+          </p:nvPr>
+        </p:nvSpPr>
+        <p:spPr>
+          <a:xfrm>
+            <a:off x="450761" y="953037"/>
+            <a:ext cx="11565227" cy="4990563"/>
+          </a:xfrm>
+        </p:spPr>
+        <p:txBody>
+          <a:bodyPr/>
+          <a:lstStyle/>
+          <a:p>
+            <a:r>
+              <a:rPr lang="ru-RU" dirty="0" smtClean="0"/>
+              <a:t>    </a:t>
+            </a:r>
+            <a:r>
+              <a:rPr lang="ru-RU" b="1" dirty="0"/>
+              <a:t>Символы не преобразуются автоматически в </a:t>
+            </a:r>
+            <a:r>
+              <a:rPr lang="ru-RU" b="1" dirty="0" smtClean="0"/>
+              <a:t>строки !</a:t>
+            </a:r>
+          </a:p>
+          <a:p>
+            <a:r>
+              <a:rPr lang="ru-RU" dirty="0"/>
+              <a:t>Большинство типов данных в </a:t>
+            </a:r>
+            <a:r>
+              <a:rPr lang="ru-RU" dirty="0" err="1"/>
+              <a:t>JavaScript</a:t>
+            </a:r>
+            <a:r>
+              <a:rPr lang="ru-RU" dirty="0"/>
+              <a:t> могут быть неявно преобразованы в строку. Например, функция </a:t>
+            </a:r>
+            <a:r>
+              <a:rPr lang="ru-RU" dirty="0" err="1"/>
+              <a:t>alert</a:t>
+            </a:r>
+            <a:r>
+              <a:rPr lang="ru-RU" dirty="0"/>
+              <a:t> принимает практически любое значение, автоматически преобразовывает его в строку, а затем выводит это значение, не сообщая об ошибке. Символы же особенные и не преобразуются автоматически</a:t>
+            </a:r>
+            <a:r>
+              <a:rPr lang="ru-RU" dirty="0" smtClean="0"/>
+              <a:t>.</a:t>
+            </a:r>
+          </a:p>
+          <a:p>
+            <a:endParaRPr lang="ru-RU" dirty="0" smtClean="0"/>
+          </a:p>
+          <a:p>
+            <a:endParaRPr lang="ru-RU" dirty="0"/>
+          </a:p>
+          <a:p>
+            <a:r>
+              <a:rPr lang="ru-RU" dirty="0" smtClean="0"/>
+              <a:t>Это </a:t>
+            </a:r>
+            <a:r>
+              <a:rPr lang="ru-RU" dirty="0"/>
+              <a:t>– языковая «защита» от путаницы, ведь строки и символы – принципиально разные типы данных и не должны неконтролируемо преобразовываться друг в друга.</a:t>
+            </a:r>
+            <a:endParaRPr lang="ru-RU" dirty="0"/>
+          </a:p>
+          <a:p>
+            <a:r>
+              <a:rPr lang="ru-RU" dirty="0"/>
+              <a:t>Если же мы действительно хотим вывести символ с помощью </a:t>
+            </a:r>
+            <a:r>
+              <a:rPr lang="ru-RU" dirty="0" err="1"/>
+              <a:t>alert</a:t>
+            </a:r>
+            <a:r>
+              <a:rPr lang="ru-RU" dirty="0"/>
+              <a:t>, то необходимо явно преобразовать его с помощью метода </a:t>
+            </a:r>
+            <a:r>
+              <a:rPr lang="en-US" dirty="0" smtClean="0"/>
+              <a:t>.</a:t>
+            </a:r>
+            <a:r>
+              <a:rPr lang="en-US" dirty="0" err="1" smtClean="0"/>
+              <a:t>toString</a:t>
+            </a:r>
+            <a:r>
+              <a:rPr lang="en-US" dirty="0" smtClean="0"/>
+              <a:t>():</a:t>
+            </a:r>
+          </a:p>
+          <a:p>
+            <a:endParaRPr lang="en-US" dirty="0"/>
+          </a:p>
+          <a:p>
+            <a:r>
+              <a:rPr lang="ru-RU" dirty="0"/>
+              <a:t>Или мы можем обратиться к свойству </a:t>
+            </a:r>
+            <a:r>
+              <a:rPr lang="ru-RU" dirty="0" err="1"/>
+              <a:t>symbol.description</a:t>
+            </a:r>
+            <a:r>
+              <a:rPr lang="ru-RU" dirty="0"/>
+              <a:t>, чтобы вывести только описание</a:t>
+            </a:r>
+            <a:r>
+              <a:rPr lang="ru-RU" dirty="0" smtClean="0"/>
+              <a:t>:</a:t>
+            </a:r>
+            <a:r>
+              <a:rPr lang="en-US" dirty="0" smtClean="0"/>
+              <a:t> </a:t>
+            </a:r>
+            <a:endParaRPr lang="ru-RU" dirty="0"/>
+          </a:p>
+        </p:txBody>
+      </p:sp>
+      <p:pic>
+        <p:nvPicPr>
+          <p:cNvPr id="4" name="Рисунок 3"/>
+          <p:cNvPicPr>
+            <a:picLocks noChangeAspect="1"/>
+          </p:cNvPicPr>
+          <p:nvPr/>
+        </p:nvPicPr>
+        <p:blipFill>
+          <a:blip r:embed="rId2">
+            <a:extLst>
+              <a:ext uri="{28A0092B-C50C-407E-A947-70E740481C1C}">
+                <a14:useLocalDpi xmlns:a14="http://schemas.microsoft.com/office/drawing/2010/main" val="0"/>
+              </a:ext>
+            </a:extLst>
+          </a:blip>
+          <a:stretch>
+            <a:fillRect/>
+          </a:stretch>
+        </p:blipFill>
+        <p:spPr>
+          <a:xfrm>
+            <a:off x="380434" y="967198"/>
+            <a:ext cx="381053" cy="362001"/>
+          </a:xfrm>
+          <a:prstGeom prst="rect">
+            <a:avLst/>
+          </a:prstGeom>
+        </p:spPr>
+      </p:pic>
+      <p:pic>
+        <p:nvPicPr>
+          <p:cNvPr id="5" name="Рисунок 4"/>
+          <p:cNvPicPr>
+            <a:picLocks noChangeAspect="1"/>
+          </p:cNvPicPr>
+          <p:nvPr/>
+        </p:nvPicPr>
+        <p:blipFill>
+          <a:blip r:embed="rId3">
+            <a:extLst>
+              <a:ext uri="{28A0092B-C50C-407E-A947-70E740481C1C}">
+                <a14:useLocalDpi xmlns:a14="http://schemas.microsoft.com/office/drawing/2010/main" val="0"/>
+              </a:ext>
+            </a:extLst>
+          </a:blip>
+          <a:stretch>
+            <a:fillRect/>
+          </a:stretch>
+        </p:blipFill>
+        <p:spPr>
+          <a:xfrm>
+            <a:off x="1149490" y="2677116"/>
+            <a:ext cx="8136177" cy="735786"/>
+          </a:xfrm>
+          <a:prstGeom prst="rect">
+            <a:avLst/>
+          </a:prstGeom>
+        </p:spPr>
+      </p:pic>
+      <p:pic>
+        <p:nvPicPr>
+          <p:cNvPr id="6" name="Рисунок 5"/>
+          <p:cNvPicPr>
+            <a:picLocks noChangeAspect="1"/>
+          </p:cNvPicPr>
+          <p:nvPr/>
+        </p:nvPicPr>
+        <p:blipFill>
+          <a:blip r:embed="rId4">
+            <a:extLst>
+              <a:ext uri="{28A0092B-C50C-407E-A947-70E740481C1C}">
+                <a14:useLocalDpi xmlns:a14="http://schemas.microsoft.com/office/drawing/2010/main" val="0"/>
+              </a:ext>
+            </a:extLst>
+          </a:blip>
+          <a:stretch>
+            <a:fillRect/>
+          </a:stretch>
+        </p:blipFill>
+        <p:spPr>
+          <a:xfrm>
+            <a:off x="6789097" y="4399861"/>
+            <a:ext cx="4582948" cy="403959"/>
+          </a:xfrm>
+          <a:prstGeom prst="rect">
+            <a:avLst/>
+          </a:prstGeom>
+        </p:spPr>
+      </p:pic>
+      <p:pic>
+        <p:nvPicPr>
+          <p:cNvPr id="7" name="Рисунок 6"/>
+          <p:cNvPicPr>
+            <a:picLocks noChangeAspect="1"/>
+          </p:cNvPicPr>
+          <p:nvPr/>
+        </p:nvPicPr>
+        <p:blipFill>
+          <a:blip r:embed="rId5">
+            <a:extLst>
+              <a:ext uri="{28A0092B-C50C-407E-A947-70E740481C1C}">
+                <a14:useLocalDpi xmlns:a14="http://schemas.microsoft.com/office/drawing/2010/main" val="0"/>
+              </a:ext>
+            </a:extLst>
+          </a:blip>
+          <a:stretch>
+            <a:fillRect/>
+          </a:stretch>
+        </p:blipFill>
+        <p:spPr>
+          <a:xfrm>
+            <a:off x="1980625" y="5594958"/>
+            <a:ext cx="3892141" cy="831599"/>
+          </a:xfrm>
+          <a:prstGeom prst="rect">
+            <a:avLst/>
+          </a:prstGeom>
+        </p:spPr>
+      </p:pic>
+    </p:spTree>
+    <p:extLst>
+      <p:ext uri="{BB962C8B-B14F-4D97-AF65-F5344CB8AC3E}">
+        <p14:creationId xmlns:p14="http://schemas.microsoft.com/office/powerpoint/2010/main" val="3282412545"/>
+      </p:ext>
+    </p:extLst>
+  </p:cSld>
+  <p:clrMapOvr>
+    <a:masterClrMapping/>
+  </p:clrMapOvr>
+</p:sld>
+</file>
+
+<file path=ppt/slides/slide6.xml><?xml version="1.0" encoding="utf-8"?>
+<p:sld xmlns:a="http://schemas.openxmlformats.org/drawingml/2006/main" xmlns:r="http://schemas.openxmlformats.org/officeDocument/2006/relationships" xmlns:p="http://schemas.openxmlformats.org/presentationml/2006/main">
+  <p:cSld>
+    <p:spTree>
+      <p:nvGrpSpPr>
+        <p:cNvPr id="1" name=""/>
+        <p:cNvGrpSpPr/>
+        <p:nvPr/>
+      </p:nvGrpSpPr>
+      <p:grpSpPr>
+        <a:xfrm>
+          <a:off x="0" y="0"/>
+          <a:ext cx="0" cy="0"/>
+          <a:chOff x="0" y="0"/>
+          <a:chExt cx="0" cy="0"/>
+        </a:xfrm>
+      </p:grpSpPr>
+      <p:sp>
+        <p:nvSpPr>
+          <p:cNvPr id="2" name="Заголовок 1"/>
+          <p:cNvSpPr>
+            <a:spLocks noGrp="1"/>
+          </p:cNvSpPr>
+          <p:nvPr>
+            <p:ph type="title"/>
+          </p:nvPr>
+        </p:nvSpPr>
+        <p:spPr>
+          <a:xfrm>
+            <a:off x="785611" y="195330"/>
+            <a:ext cx="10566400" cy="616039"/>
+          </a:xfrm>
+        </p:spPr>
+        <p:txBody>
+          <a:bodyPr/>
+          <a:lstStyle/>
+          <a:p>
+            <a:r>
+              <a:rPr lang="en-US" sz="3600" dirty="0" smtClean="0"/>
+              <a:t>4. “</a:t>
+            </a:r>
+            <a:r>
+              <a:rPr lang="ru-RU" sz="3600" dirty="0" smtClean="0"/>
+              <a:t>Скрытые</a:t>
+            </a:r>
+            <a:r>
+              <a:rPr lang="en-US" sz="3600" dirty="0" smtClean="0"/>
+              <a:t>”</a:t>
+            </a:r>
+            <a:r>
+              <a:rPr lang="ru-RU" sz="3600" dirty="0" smtClean="0"/>
+              <a:t> свойства</a:t>
+            </a:r>
+            <a:endParaRPr lang="ru-RU" sz="3600" dirty="0"/>
+          </a:p>
+        </p:txBody>
+      </p:sp>
+      <p:sp>
+        <p:nvSpPr>
+          <p:cNvPr id="3" name="Текст 2"/>
+          <p:cNvSpPr>
+            <a:spLocks noGrp="1"/>
+          </p:cNvSpPr>
+          <p:nvPr>
+            <p:ph type="body" idx="1"/>
+          </p:nvPr>
+        </p:nvSpPr>
+        <p:spPr>
+          <a:xfrm>
+            <a:off x="914400" y="785611"/>
+            <a:ext cx="10566400" cy="5157989"/>
+          </a:xfrm>
+        </p:spPr>
+        <p:txBody>
+          <a:bodyPr/>
+          <a:lstStyle/>
+          <a:p>
+            <a:r>
+              <a:rPr lang="ru-RU" dirty="0"/>
+              <a:t>Символы позволяют создавать «скрытые» свойства объектов, к которым нельзя нечаянно обратиться и перезаписать их из других частей программы</a:t>
+            </a:r>
+            <a:r>
+              <a:rPr lang="ru-RU" dirty="0" smtClean="0"/>
+              <a:t>.</a:t>
+            </a:r>
+            <a:endParaRPr lang="en-US" dirty="0" smtClean="0"/>
+          </a:p>
+          <a:p>
+            <a:r>
+              <a:rPr lang="ru-RU" dirty="0" smtClean="0"/>
+              <a:t>Например такой код перезапишет </a:t>
+            </a:r>
+            <a:r>
+              <a:rPr lang="en-US" dirty="0" smtClean="0"/>
+              <a:t>                                </a:t>
+            </a:r>
+            <a:r>
+              <a:rPr lang="ru-RU" dirty="0" smtClean="0"/>
+              <a:t>А такой – нет</a:t>
+            </a:r>
+            <a:r>
+              <a:rPr lang="en-US" dirty="0" smtClean="0"/>
+              <a:t>: </a:t>
+            </a:r>
+          </a:p>
+          <a:p>
+            <a:r>
+              <a:rPr lang="ru-RU" dirty="0" smtClean="0"/>
+              <a:t>свойство </a:t>
+            </a:r>
+            <a:r>
+              <a:rPr lang="en-US" dirty="0" smtClean="0"/>
+              <a:t>id </a:t>
+            </a:r>
+          </a:p>
+          <a:p>
+            <a:endParaRPr lang="en-US" dirty="0"/>
+          </a:p>
+          <a:p>
+            <a:endParaRPr lang="en-US" dirty="0" smtClean="0"/>
+          </a:p>
+          <a:p>
+            <a:endParaRPr lang="en-US" dirty="0"/>
+          </a:p>
+          <a:p>
+            <a:endParaRPr lang="en-US" dirty="0" smtClean="0"/>
+          </a:p>
+          <a:p>
+            <a:endParaRPr lang="en-US" dirty="0"/>
+          </a:p>
+          <a:p>
+            <a:r>
+              <a:rPr lang="ru-RU" dirty="0"/>
+              <a:t>Символы, конечно, не добавляют в </a:t>
+            </a:r>
+            <a:r>
+              <a:rPr lang="ru-RU" dirty="0" err="1"/>
+              <a:t>JavaScript</a:t>
+            </a:r>
+            <a:r>
+              <a:rPr lang="ru-RU" dirty="0"/>
+              <a:t> возможностей по созданию приватных свойств объектов, но они являются ценным новшеством языка по другим причинам. А именно, они полезны в ситуациях, когда неким библиотекам нужно добавлять свойства в объекты, описанные за их пределами, и при этом не опасаться коллизии имён свойств объектов.</a:t>
+            </a:r>
+            <a:endParaRPr lang="ru-RU" dirty="0"/>
+          </a:p>
+        </p:txBody>
+      </p:sp>
+      <p:pic>
+        <p:nvPicPr>
+          <p:cNvPr id="4" name="Рисунок 3"/>
+          <p:cNvPicPr>
+            <a:picLocks noChangeAspect="1"/>
+          </p:cNvPicPr>
+          <p:nvPr/>
+        </p:nvPicPr>
+        <p:blipFill>
+          <a:blip r:embed="rId2">
+            <a:extLst>
+              <a:ext uri="{28A0092B-C50C-407E-A947-70E740481C1C}">
+                <a14:useLocalDpi xmlns:a14="http://schemas.microsoft.com/office/drawing/2010/main" val="0"/>
+              </a:ext>
+            </a:extLst>
+          </a:blip>
+          <a:stretch>
+            <a:fillRect/>
+          </a:stretch>
+        </p:blipFill>
+        <p:spPr>
+          <a:xfrm>
+            <a:off x="1587918" y="2236637"/>
+            <a:ext cx="3628026" cy="1745797"/>
+          </a:xfrm>
+          <a:prstGeom prst="rect">
+            <a:avLst/>
+          </a:prstGeom>
+        </p:spPr>
+      </p:pic>
+      <p:pic>
+        <p:nvPicPr>
+          <p:cNvPr id="5" name="Рисунок 4"/>
+          <p:cNvPicPr>
+            <a:picLocks noChangeAspect="1"/>
+          </p:cNvPicPr>
+          <p:nvPr/>
+        </p:nvPicPr>
+        <p:blipFill>
+          <a:blip r:embed="rId3">
+            <a:extLst>
+              <a:ext uri="{28A0092B-C50C-407E-A947-70E740481C1C}">
+                <a14:useLocalDpi xmlns:a14="http://schemas.microsoft.com/office/drawing/2010/main" val="0"/>
+              </a:ext>
+            </a:extLst>
+          </a:blip>
+          <a:stretch>
+            <a:fillRect/>
+          </a:stretch>
+        </p:blipFill>
+        <p:spPr>
+          <a:xfrm>
+            <a:off x="7127629" y="1861567"/>
+            <a:ext cx="3626230" cy="2120867"/>
+          </a:xfrm>
+          <a:prstGeom prst="rect">
+            <a:avLst/>
+          </a:prstGeom>
+        </p:spPr>
+      </p:pic>
+    </p:spTree>
+    <p:extLst>
+      <p:ext uri="{BB962C8B-B14F-4D97-AF65-F5344CB8AC3E}">
+        <p14:creationId xmlns:p14="http://schemas.microsoft.com/office/powerpoint/2010/main" val="111662660"/>
+      </p:ext>
+    </p:extLst>
+  </p:cSld>
+  <p:clrMapOvr>
+    <a:masterClrMapping/>
+  </p:clrMapOvr>
+</p:sld>
+</file>
+
+<file path=ppt/slides/slide7.xml><?xml version="1.0" encoding="utf-8"?>
+<p:sld xmlns:a="http://schemas.openxmlformats.org/drawingml/2006/main" xmlns:r="http://schemas.openxmlformats.org/officeDocument/2006/relationships" xmlns:p="http://schemas.openxmlformats.org/presentationml/2006/main">
+  <p:cSld>
+    <p:spTree>
+      <p:nvGrpSpPr>
+        <p:cNvPr id="1" name=""/>
+        <p:cNvGrpSpPr/>
+        <p:nvPr/>
+      </p:nvGrpSpPr>
+      <p:grpSpPr>
+        <a:xfrm>
+          <a:off x="0" y="0"/>
+          <a:ext cx="0" cy="0"/>
+          <a:chOff x="0" y="0"/>
+          <a:chExt cx="0" cy="0"/>
+        </a:xfrm>
+      </p:grpSpPr>
+      <p:sp>
+        <p:nvSpPr>
+          <p:cNvPr id="2" name="Заголовок 1"/>
+          <p:cNvSpPr>
+            <a:spLocks noGrp="1"/>
+          </p:cNvSpPr>
+          <p:nvPr>
+            <p:ph type="title"/>
+          </p:nvPr>
+        </p:nvSpPr>
+        <p:spPr>
+          <a:xfrm>
+            <a:off x="798490" y="233966"/>
+            <a:ext cx="10566400" cy="487251"/>
+          </a:xfrm>
+        </p:spPr>
+        <p:txBody>
+          <a:bodyPr/>
+          <a:lstStyle/>
+          <a:p>
+            <a:r>
+              <a:rPr lang="en-US" sz="3200" dirty="0" smtClean="0"/>
+              <a:t>5. </a:t>
+            </a:r>
+            <a:r>
+              <a:rPr lang="en-US" sz="3200" dirty="0"/>
+              <a:t>Symbol </a:t>
+            </a:r>
+            <a:r>
+              <a:rPr lang="ru-RU" sz="3200" dirty="0"/>
+              <a:t>в литеральном </a:t>
+            </a:r>
+            <a:r>
+              <a:rPr lang="ru-RU" sz="3200" dirty="0" smtClean="0"/>
+              <a:t>объекте</a:t>
+            </a:r>
+            <a:endParaRPr lang="ru-RU" sz="3200" dirty="0"/>
+          </a:p>
+        </p:txBody>
+      </p:sp>
+      <p:sp>
+        <p:nvSpPr>
+          <p:cNvPr id="3" name="Текст 2"/>
+          <p:cNvSpPr>
+            <a:spLocks noGrp="1"/>
+          </p:cNvSpPr>
+          <p:nvPr>
+            <p:ph type="body" idx="1"/>
+          </p:nvPr>
+        </p:nvSpPr>
+        <p:spPr>
+          <a:xfrm>
+            <a:off x="334851" y="708338"/>
+            <a:ext cx="11423560" cy="5872766"/>
+          </a:xfrm>
+        </p:spPr>
+        <p:txBody>
+          <a:bodyPr/>
+          <a:lstStyle/>
+          <a:p>
+            <a:r>
+              <a:rPr lang="ru-RU" dirty="0"/>
+              <a:t>Если мы хотим использовать символ при литеральном объявлении </a:t>
+            </a:r>
+            <a:r>
+              <a:rPr lang="ru-RU" dirty="0" smtClean="0"/>
+              <a:t>объекта</a:t>
+            </a:r>
+            <a:r>
+              <a:rPr lang="en-US" dirty="0" smtClean="0"/>
+              <a:t> {…}</a:t>
+            </a:r>
+            <a:r>
+              <a:rPr lang="ru-RU" dirty="0" smtClean="0"/>
+              <a:t>, </a:t>
+            </a:r>
+            <a:r>
+              <a:rPr lang="ru-RU" dirty="0"/>
+              <a:t>его необходимо заключить в квадратные скобки</a:t>
+            </a:r>
+            <a:r>
+              <a:rPr lang="ru-RU" dirty="0" smtClean="0"/>
+              <a:t>.</a:t>
+            </a:r>
+          </a:p>
+          <a:p>
+            <a:endParaRPr lang="ru-RU" dirty="0" smtClean="0"/>
+          </a:p>
+          <a:p>
+            <a:endParaRPr lang="ru-RU" dirty="0"/>
+          </a:p>
+          <a:p>
+            <a:endParaRPr lang="ru-RU" dirty="0" smtClean="0"/>
+          </a:p>
+          <a:p>
+            <a:endParaRPr lang="ru-RU" dirty="0"/>
+          </a:p>
+          <a:p>
+            <a:endParaRPr lang="ru-RU" dirty="0" smtClean="0"/>
+          </a:p>
+          <a:p>
+            <a:r>
+              <a:rPr lang="ru-RU" dirty="0"/>
+              <a:t>Это вызвано тем, что нам нужно использовать значение переменной </a:t>
+            </a:r>
+            <a:r>
+              <a:rPr lang="ru-RU" dirty="0" err="1"/>
+              <a:t>id</a:t>
+            </a:r>
+            <a:r>
+              <a:rPr lang="ru-RU" dirty="0"/>
+              <a:t> в качестве ключа, а не строку «</a:t>
+            </a:r>
+            <a:r>
+              <a:rPr lang="ru-RU" dirty="0" err="1"/>
+              <a:t>id</a:t>
+            </a:r>
+            <a:r>
+              <a:rPr lang="ru-RU" dirty="0"/>
+              <a:t>».</a:t>
+            </a:r>
+            <a:endParaRPr lang="ru-RU" dirty="0"/>
+          </a:p>
+          <a:p>
+            <a:endParaRPr lang="ru-RU" dirty="0"/>
+          </a:p>
+        </p:txBody>
+      </p:sp>
+      <p:pic>
+        <p:nvPicPr>
+          <p:cNvPr id="4" name="Рисунок 3"/>
+          <p:cNvPicPr>
+            <a:picLocks noChangeAspect="1"/>
+          </p:cNvPicPr>
+          <p:nvPr/>
+        </p:nvPicPr>
+        <p:blipFill>
+          <a:blip r:embed="rId2">
+            <a:extLst>
+              <a:ext uri="{28A0092B-C50C-407E-A947-70E740481C1C}">
+                <a14:useLocalDpi xmlns:a14="http://schemas.microsoft.com/office/drawing/2010/main" val="0"/>
+              </a:ext>
+            </a:extLst>
+          </a:blip>
+          <a:stretch>
+            <a:fillRect/>
+          </a:stretch>
+        </p:blipFill>
+        <p:spPr>
+          <a:xfrm>
+            <a:off x="3850771" y="1355537"/>
+            <a:ext cx="5087168" cy="1683876"/>
+          </a:xfrm>
+          <a:prstGeom prst="rect">
+            <a:avLst/>
+          </a:prstGeom>
+        </p:spPr>
+      </p:pic>
+    </p:spTree>
+    <p:extLst>
+      <p:ext uri="{BB962C8B-B14F-4D97-AF65-F5344CB8AC3E}">
+        <p14:creationId xmlns:p14="http://schemas.microsoft.com/office/powerpoint/2010/main" val="3524495770"/>
+      </p:ext>
+    </p:extLst>
+  </p:cSld>
+  <p:clrMapOvr>
+    <a:masterClrMapping/>
+  </p:clrMapOvr>
+</p:sld>
+</file>
+
+<file path=ppt/slides/slide8.xml><?xml version="1.0" encoding="utf-8"?>
+<p:sld xmlns:a="http://schemas.openxmlformats.org/drawingml/2006/main" xmlns:r="http://schemas.openxmlformats.org/officeDocument/2006/relationships" xmlns:p="http://schemas.openxmlformats.org/presentationml/2006/main">
+  <p:cSld>
+    <p:spTree>
+      <p:nvGrpSpPr>
+        <p:cNvPr id="1" name=""/>
+        <p:cNvGrpSpPr/>
+        <p:nvPr/>
+      </p:nvGrpSpPr>
+      <p:grpSpPr>
+        <a:xfrm>
+          <a:off x="0" y="0"/>
+          <a:ext cx="0" cy="0"/>
+          <a:chOff x="0" y="0"/>
+          <a:chExt cx="0" cy="0"/>
+        </a:xfrm>
+      </p:grpSpPr>
+      <p:sp>
+        <p:nvSpPr>
+          <p:cNvPr id="2" name="Заголовок 1"/>
+          <p:cNvSpPr>
+            <a:spLocks noGrp="1"/>
+          </p:cNvSpPr>
+          <p:nvPr>
+            <p:ph type="title"/>
+          </p:nvPr>
+        </p:nvSpPr>
+        <p:spPr>
+          <a:xfrm>
+            <a:off x="669701" y="259724"/>
+            <a:ext cx="10566400" cy="616039"/>
+          </a:xfrm>
+        </p:spPr>
+        <p:txBody>
+          <a:bodyPr/>
+          <a:lstStyle/>
+          <a:p>
+            <a:r>
+              <a:rPr lang="ru-RU" sz="3200" dirty="0" smtClean="0"/>
+              <a:t>6. </a:t>
+            </a:r>
+            <a:r>
+              <a:rPr lang="en-US" sz="3200" dirty="0" smtClean="0"/>
+              <a:t>Symbol </a:t>
+            </a:r>
+            <a:r>
+              <a:rPr lang="ru-RU" sz="3200" dirty="0"/>
+              <a:t>и цикл </a:t>
+            </a:r>
+            <a:r>
+              <a:rPr lang="en-US" sz="3200" dirty="0" smtClean="0"/>
+              <a:t>for…in</a:t>
+            </a:r>
+            <a:endParaRPr lang="ru-RU" sz="3200" dirty="0"/>
+          </a:p>
+        </p:txBody>
+      </p:sp>
+      <p:sp>
+        <p:nvSpPr>
+          <p:cNvPr id="3" name="Текст 2"/>
+          <p:cNvSpPr>
+            <a:spLocks noGrp="1"/>
+          </p:cNvSpPr>
+          <p:nvPr>
+            <p:ph type="body" idx="1"/>
+          </p:nvPr>
+        </p:nvSpPr>
+        <p:spPr>
+          <a:xfrm>
+            <a:off x="321972" y="901521"/>
+            <a:ext cx="11449318" cy="5653825"/>
+          </a:xfrm>
+        </p:spPr>
+        <p:txBody>
+          <a:bodyPr/>
+          <a:lstStyle/>
+          <a:p>
+            <a:r>
+              <a:rPr lang="ru-RU" dirty="0"/>
+              <a:t>Свойства, чьи ключи – символы, не перебираются </a:t>
+            </a:r>
+            <a:r>
+              <a:rPr lang="ru-RU" dirty="0" smtClean="0"/>
+              <a:t>циклом </a:t>
+            </a:r>
+            <a:r>
+              <a:rPr lang="en-US" dirty="0" smtClean="0"/>
+              <a:t>for…in</a:t>
+            </a:r>
+          </a:p>
+          <a:p>
+            <a:endParaRPr lang="en-US" dirty="0"/>
+          </a:p>
+          <a:p>
+            <a:endParaRPr lang="en-US" dirty="0" smtClean="0"/>
+          </a:p>
+          <a:p>
+            <a:endParaRPr lang="en-US" dirty="0"/>
+          </a:p>
+          <a:p>
+            <a:endParaRPr lang="en-US" dirty="0" smtClean="0"/>
+          </a:p>
+          <a:p>
+            <a:endParaRPr lang="en-US" dirty="0"/>
+          </a:p>
+          <a:p>
+            <a:endParaRPr lang="en-US" dirty="0" smtClean="0"/>
+          </a:p>
+          <a:p>
+            <a:endParaRPr lang="en-US" dirty="0"/>
+          </a:p>
+          <a:p>
+            <a:r>
+              <a:rPr lang="ru-RU" dirty="0"/>
+              <a:t>Это – часть общего принципа «сокрытия символьных свойств». Если другая библиотека или скрипт будут работать с нашим объектом, то при переборе они не получат ненароком наше символьное свойство. </a:t>
+            </a:r>
+            <a:r>
+              <a:rPr lang="ru-RU" dirty="0" err="1"/>
+              <a:t>Object.keys</a:t>
+            </a:r>
+            <a:r>
+              <a:rPr lang="ru-RU" dirty="0"/>
+              <a:t>(</a:t>
+            </a:r>
+            <a:r>
+              <a:rPr lang="ru-RU" dirty="0" err="1"/>
+              <a:t>user</a:t>
+            </a:r>
+            <a:r>
+              <a:rPr lang="ru-RU" dirty="0"/>
+              <a:t>)</a:t>
+            </a:r>
+            <a:r>
+              <a:rPr lang="ru-RU" dirty="0"/>
+              <a:t> также игнорирует символы</a:t>
+            </a:r>
+            <a:r>
+              <a:rPr lang="ru-RU" dirty="0" smtClean="0"/>
+              <a:t>.</a:t>
+            </a:r>
+            <a:endParaRPr lang="en-US" dirty="0" smtClean="0"/>
+          </a:p>
+          <a:p>
+            <a:r>
+              <a:rPr lang="ru-RU" dirty="0"/>
+              <a:t>А вот </a:t>
+            </a:r>
+            <a:r>
+              <a:rPr lang="en-US" dirty="0" err="1" smtClean="0"/>
+              <a:t>Object.asssign</a:t>
+            </a:r>
+            <a:r>
+              <a:rPr lang="en-US" dirty="0" smtClean="0"/>
+              <a:t> </a:t>
+            </a:r>
+            <a:r>
+              <a:rPr lang="ru-RU" dirty="0"/>
+              <a:t>копирует и строковые, и символьные </a:t>
+            </a:r>
+            <a:r>
+              <a:rPr lang="ru-RU" dirty="0" smtClean="0"/>
+              <a:t>свойства</a:t>
+            </a:r>
+            <a:r>
+              <a:rPr lang="en-US" dirty="0" smtClean="0"/>
+              <a:t>. </a:t>
+            </a:r>
+            <a:r>
+              <a:rPr lang="ru-RU" dirty="0"/>
+              <a:t>Идея заключается в том, что, когда мы клонируем или объединяем объекты, мы обычно хотим скопировать </a:t>
+            </a:r>
+            <a:r>
+              <a:rPr lang="ru-RU" i="1" dirty="0"/>
+              <a:t>все</a:t>
+            </a:r>
+            <a:r>
+              <a:rPr lang="ru-RU" dirty="0"/>
+              <a:t> </a:t>
+            </a:r>
+            <a:r>
+              <a:rPr lang="ru-RU" dirty="0" smtClean="0"/>
+              <a:t>свойства</a:t>
+            </a:r>
+            <a:r>
+              <a:rPr lang="en-US" dirty="0" smtClean="0"/>
+              <a:t>.</a:t>
+            </a:r>
+          </a:p>
+          <a:p>
+            <a:endParaRPr lang="ru-RU" dirty="0"/>
+          </a:p>
+        </p:txBody>
+      </p:sp>
+      <p:pic>
+        <p:nvPicPr>
+          <p:cNvPr id="4" name="Рисунок 3"/>
+          <p:cNvPicPr>
+            <a:picLocks noChangeAspect="1"/>
+          </p:cNvPicPr>
+          <p:nvPr/>
+        </p:nvPicPr>
+        <p:blipFill>
+          <a:blip r:embed="rId2">
+            <a:extLst>
+              <a:ext uri="{28A0092B-C50C-407E-A947-70E740481C1C}">
+                <a14:useLocalDpi xmlns:a14="http://schemas.microsoft.com/office/drawing/2010/main" val="0"/>
+              </a:ext>
+            </a:extLst>
+          </a:blip>
+          <a:stretch>
+            <a:fillRect/>
+          </a:stretch>
+        </p:blipFill>
+        <p:spPr>
+          <a:xfrm>
+            <a:off x="3646816" y="1269820"/>
+            <a:ext cx="4891877" cy="2683994"/>
+          </a:xfrm>
+          <a:prstGeom prst="rect">
+            <a:avLst/>
+          </a:prstGeom>
+        </p:spPr>
+      </p:pic>
+    </p:spTree>
+    <p:extLst>
+      <p:ext uri="{BB962C8B-B14F-4D97-AF65-F5344CB8AC3E}">
+        <p14:creationId xmlns:p14="http://schemas.microsoft.com/office/powerpoint/2010/main" val="1124568361"/>
+      </p:ext>
+    </p:extLst>
+  </p:cSld>
+  <p:clrMapOvr>
+    <a:masterClrMapping/>
+  </p:clrMapOvr>
+</p:sld>
+</file>
+
+<file path=ppt/slides/slide9.xml><?xml version="1.0" encoding="utf-8"?>
+<p:sld xmlns:a="http://schemas.openxmlformats.org/drawingml/2006/main" xmlns:r="http://schemas.openxmlformats.org/officeDocument/2006/relationships" xmlns:p="http://schemas.openxmlformats.org/presentationml/2006/main">
+  <p:cSld>
+    <p:spTree>
+      <p:nvGrpSpPr>
+        <p:cNvPr id="1" name=""/>
+        <p:cNvGrpSpPr/>
+        <p:nvPr/>
+      </p:nvGrpSpPr>
+      <p:grpSpPr>
+        <a:xfrm>
+          <a:off x="0" y="0"/>
+          <a:ext cx="0" cy="0"/>
+          <a:chOff x="0" y="0"/>
+          <a:chExt cx="0" cy="0"/>
+        </a:xfrm>
+      </p:grpSpPr>
+      <p:sp>
+        <p:nvSpPr>
+          <p:cNvPr id="2" name="Заголовок 1"/>
+          <p:cNvSpPr>
+            <a:spLocks noGrp="1"/>
+          </p:cNvSpPr>
+          <p:nvPr>
+            <p:ph type="title"/>
+          </p:nvPr>
+        </p:nvSpPr>
+        <p:spPr>
+          <a:xfrm>
+            <a:off x="618186" y="195330"/>
+            <a:ext cx="10566400" cy="525887"/>
+          </a:xfrm>
+        </p:spPr>
+        <p:txBody>
+          <a:bodyPr/>
+          <a:lstStyle/>
+          <a:p>
+            <a:r>
+              <a:rPr lang="en-US" sz="2800" dirty="0" smtClean="0"/>
+              <a:t>7. </a:t>
+            </a:r>
+            <a:r>
+              <a:rPr lang="en-US" sz="2800" dirty="0"/>
+              <a:t>Global symbols</a:t>
+            </a:r>
+            <a:endParaRPr lang="ru-RU" sz="2800" dirty="0"/>
+          </a:p>
+        </p:txBody>
+      </p:sp>
+      <p:sp>
+        <p:nvSpPr>
+          <p:cNvPr id="3" name="Текст 2"/>
+          <p:cNvSpPr>
+            <a:spLocks noGrp="1"/>
+          </p:cNvSpPr>
+          <p:nvPr>
+            <p:ph type="body" idx="1"/>
+          </p:nvPr>
+        </p:nvSpPr>
+        <p:spPr>
+          <a:xfrm>
+            <a:off x="309093" y="746975"/>
+            <a:ext cx="11487955" cy="5743977"/>
+          </a:xfrm>
+        </p:spPr>
+        <p:txBody>
+          <a:bodyPr/>
+          <a:lstStyle/>
+          <a:p>
+            <a:r>
+              <a:rPr lang="ru-RU" dirty="0"/>
+              <a:t>И</a:t>
+            </a:r>
+            <a:r>
+              <a:rPr lang="ru-RU" dirty="0" smtClean="0"/>
+              <a:t>ногда </a:t>
+            </a:r>
+            <a:r>
+              <a:rPr lang="ru-RU" dirty="0"/>
+              <a:t>мы </a:t>
+            </a:r>
+            <a:r>
+              <a:rPr lang="ru-RU" dirty="0" smtClean="0"/>
+              <a:t>хотим</a:t>
+            </a:r>
+            <a:r>
+              <a:rPr lang="ru-RU" dirty="0"/>
+              <a:t>, чтобы символы с одинаковыми именами были одной сущностью. Например, разные части нашего приложения хотят получить доступ к </a:t>
+            </a:r>
+            <a:r>
+              <a:rPr lang="ru-RU" dirty="0" smtClean="0"/>
+              <a:t>одному символу</a:t>
+            </a:r>
+            <a:r>
+              <a:rPr lang="ru-RU" dirty="0"/>
+              <a:t> , подразумевая именно одно и то же свойство</a:t>
+            </a:r>
+            <a:r>
+              <a:rPr lang="ru-RU" dirty="0" smtClean="0"/>
+              <a:t>.</a:t>
+            </a:r>
+          </a:p>
+          <a:p>
+            <a:r>
+              <a:rPr lang="ru-RU" dirty="0"/>
+              <a:t>Для этого существует </a:t>
+            </a:r>
+            <a:r>
+              <a:rPr lang="ru-RU" i="1" dirty="0"/>
+              <a:t>глобальный реестр символов</a:t>
+            </a:r>
+            <a:r>
+              <a:rPr lang="ru-RU" dirty="0" smtClean="0"/>
+              <a:t>.</a:t>
+            </a:r>
+          </a:p>
+          <a:p>
+            <a:r>
+              <a:rPr lang="ru-RU" dirty="0"/>
+              <a:t>Для чтения (или, при отсутствии, создания) символа из реестра используется </a:t>
+            </a:r>
+            <a:r>
+              <a:rPr lang="ru-RU" dirty="0" smtClean="0"/>
+              <a:t>вызов</a:t>
+            </a:r>
+          </a:p>
+          <a:p>
+            <a:r>
+              <a:rPr lang="en-US" dirty="0" err="1" smtClean="0"/>
+              <a:t>Symbol.for</a:t>
+            </a:r>
+            <a:r>
+              <a:rPr lang="en-US" dirty="0" smtClean="0"/>
+              <a:t>(key)</a:t>
+            </a:r>
+          </a:p>
+          <a:p>
+            <a:endParaRPr lang="en-US" dirty="0"/>
+          </a:p>
+          <a:p>
+            <a:endParaRPr lang="en-US" dirty="0" smtClean="0"/>
+          </a:p>
+          <a:p>
+            <a:r>
+              <a:rPr lang="ru-RU" dirty="0"/>
+              <a:t>Если мы ещё раз вызовем </a:t>
+            </a:r>
+            <a:r>
+              <a:rPr lang="ru-RU" dirty="0" err="1"/>
+              <a:t>Symbol.for</a:t>
+            </a:r>
+            <a:r>
+              <a:rPr lang="ru-RU" dirty="0"/>
+              <a:t>(“</a:t>
+            </a:r>
+            <a:r>
+              <a:rPr lang="ru-RU" dirty="0" err="1"/>
+              <a:t>Kanye</a:t>
+            </a:r>
+            <a:r>
+              <a:rPr lang="ru-RU" dirty="0"/>
+              <a:t> </a:t>
+            </a:r>
+            <a:r>
+              <a:rPr lang="ru-RU" dirty="0" err="1"/>
+              <a:t>West</a:t>
+            </a:r>
+            <a:r>
+              <a:rPr lang="ru-RU" dirty="0"/>
+              <a:t>”)</a:t>
+            </a:r>
+            <a:r>
+              <a:rPr lang="ru-RU" dirty="0"/>
+              <a:t> он вернёт существующий символ, а не новый</a:t>
+            </a:r>
+            <a:r>
+              <a:rPr lang="ru-RU" dirty="0" smtClean="0"/>
+              <a:t>.</a:t>
+            </a:r>
+            <a:endParaRPr lang="en-US" dirty="0"/>
+          </a:p>
+          <a:p>
+            <a:r>
+              <a:rPr lang="ru-RU" dirty="0"/>
+              <a:t>Для глобальных символов, кроме </a:t>
+            </a:r>
+            <a:r>
+              <a:rPr lang="ru-RU" dirty="0" err="1"/>
+              <a:t>Symbol.for</a:t>
+            </a:r>
+            <a:r>
+              <a:rPr lang="ru-RU" dirty="0"/>
+              <a:t>(</a:t>
+            </a:r>
+            <a:r>
+              <a:rPr lang="ru-RU" dirty="0" err="1"/>
+              <a:t>key</a:t>
+            </a:r>
+            <a:r>
+              <a:rPr lang="ru-RU" dirty="0"/>
+              <a:t>)</a:t>
+            </a:r>
+            <a:r>
+              <a:rPr lang="ru-RU" dirty="0"/>
+              <a:t>, который ищет символ по имени, существует обратный метод: </a:t>
+            </a:r>
+            <a:r>
+              <a:rPr lang="ru-RU" dirty="0" err="1"/>
+              <a:t>Symbol.keyFor</a:t>
+            </a:r>
+            <a:r>
+              <a:rPr lang="ru-RU" dirty="0"/>
+              <a:t>(</a:t>
+            </a:r>
+            <a:r>
+              <a:rPr lang="ru-RU" dirty="0" err="1"/>
+              <a:t>sym</a:t>
+            </a:r>
+            <a:r>
+              <a:rPr lang="ru-RU" dirty="0"/>
+              <a:t>)</a:t>
+            </a:r>
+            <a:r>
+              <a:rPr lang="ru-RU" dirty="0"/>
+              <a:t>, который, наоборот, принимает глобальный символ и возвращает его имя.</a:t>
+            </a:r>
+            <a:endParaRPr lang="en-US" dirty="0" smtClean="0"/>
+          </a:p>
+          <a:p>
+            <a:endParaRPr lang="ru-RU" dirty="0"/>
+          </a:p>
+        </p:txBody>
+      </p:sp>
+      <p:pic>
+        <p:nvPicPr>
+          <p:cNvPr id="4" name="Рисунок 3"/>
+          <p:cNvPicPr>
+            <a:picLocks noChangeAspect="1"/>
+          </p:cNvPicPr>
+          <p:nvPr/>
+        </p:nvPicPr>
+        <p:blipFill>
+          <a:blip r:embed="rId2">
+            <a:extLst>
+              <a:ext uri="{28A0092B-C50C-407E-A947-70E740481C1C}">
+                <a14:useLocalDpi xmlns:a14="http://schemas.microsoft.com/office/drawing/2010/main" val="0"/>
+              </a:ext>
+            </a:extLst>
+          </a:blip>
+          <a:stretch>
+            <a:fillRect/>
+          </a:stretch>
+        </p:blipFill>
+        <p:spPr>
+          <a:xfrm>
+            <a:off x="2491968" y="2643058"/>
+            <a:ext cx="5583085" cy="988783"/>
+          </a:xfrm>
+          <a:prstGeom prst="rect">
+            <a:avLst/>
+          </a:prstGeom>
+        </p:spPr>
+      </p:pic>
+      <p:pic>
+        <p:nvPicPr>
+          <p:cNvPr id="5" name="Рисунок 4"/>
+          <p:cNvPicPr>
+            <a:picLocks noChangeAspect="1"/>
+          </p:cNvPicPr>
+          <p:nvPr/>
+        </p:nvPicPr>
+        <p:blipFill>
+          <a:blip r:embed="rId3">
+            <a:extLst>
+              <a:ext uri="{28A0092B-C50C-407E-A947-70E740481C1C}">
+                <a14:useLocalDpi xmlns:a14="http://schemas.microsoft.com/office/drawing/2010/main" val="0"/>
+              </a:ext>
+            </a:extLst>
+          </a:blip>
+          <a:stretch>
+            <a:fillRect/>
+          </a:stretch>
+        </p:blipFill>
+        <p:spPr>
+          <a:xfrm>
+            <a:off x="6096000" y="5037486"/>
+            <a:ext cx="2829320" cy="1419423"/>
+          </a:xfrm>
+          <a:prstGeom prst="rect">
+            <a:avLst/>
+          </a:prstGeom>
+        </p:spPr>
+      </p:pic>
+    </p:spTree>
+    <p:extLst>
+      <p:ext uri="{BB962C8B-B14F-4D97-AF65-F5344CB8AC3E}">
+        <p14:creationId xmlns:p14="http://schemas.microsoft.com/office/powerpoint/2010/main" val="2551586001"/>
+      </p:ext>
+    </p:extLst>
+  </p:cSld>
+  <p:clrMapOvr>
+    <a:masterClrMapping/>
+  </p:clrMapOvr>
+</p:sld>
+</file>
+
 <file path=ppt/theme/theme1.xml><?xml version="1.0" encoding="utf-8"?>
 <a:theme xmlns:a="http://schemas.openxmlformats.org/drawingml/2006/main" name="Бумажная">
   <a:themeElements>
-    <a:clrScheme name="Бумажная">
+    <a:clrScheme name="Апекс">
       <a:dk1>
         <a:sysClr val="windowText" lastClr="000000"/>
       </a:dk1>
@@ -3706,34 +6030,34 @@
         <a:sysClr val="window" lastClr="FFFFFF"/>
       </a:lt1>
       <a:dk2>
-        <a:srgbClr val="444D26"/>
+        <a:srgbClr val="69676D"/>
       </a:dk2>
       <a:lt2>
-        <a:srgbClr val="FEFAC9"/>
+        <a:srgbClr val="C9C2D1"/>
       </a:lt2>
       <a:accent1>
-        <a:srgbClr val="A5B592"/>
+        <a:srgbClr val="CEB966"/>
       </a:accent1>
       <a:accent2>
-        <a:srgbClr val="F3A447"/>
+        <a:srgbClr val="9CB084"/>
       </a:accent2>
       <a:accent3>
-        <a:srgbClr val="E7BC29"/>
+        <a:srgbClr val="6BB1C9"/>
       </a:accent3>
       <a:accent4>
-        <a:srgbClr val="D092A7"/>
+        <a:srgbClr val="6585CF"/>
       </a:accent4>
       <a:accent5>
-        <a:srgbClr val="9C85C0"/>
+        <a:srgbClr val="7E6BC9"/>
       </a:accent5>
       <a:accent6>
-        <a:srgbClr val="809EC2"/>
+        <a:srgbClr val="A379BB"/>
       </a:accent6>
       <a:hlink>
-        <a:srgbClr val="8E58B6"/>
+        <a:srgbClr val="410082"/>
       </a:hlink>
       <a:folHlink>
-        <a:srgbClr val="7F6F6F"/>
+        <a:srgbClr val="932968"/>
       </a:folHlink>
     </a:clrScheme>
     <a:fontScheme name="Бумажная">
